--- a/lab_reports/viscosity_of_water/diagrams.pptx
+++ b/lab_reports/viscosity_of_water/diagrams.pptx
@@ -2964,64 +2964,129 @@
           <a:chExt cx="0" cy="0"/>
         </a:xfrm>
       </p:grpSpPr>
-      <p:sp>
-        <p:nvSpPr>
-          <p:cNvPr id="6" name="Rectangle 5"/>
+      <p:grpSp>
+        <p:nvGrpSpPr>
+          <p:cNvPr id="10" name="Group 9"/>
+          <p:cNvGrpSpPr/>
+          <p:nvPr/>
+        </p:nvGrpSpPr>
+        <p:grpSpPr>
+          <a:xfrm>
+            <a:off x="2743199" y="1560287"/>
+            <a:ext cx="1072055" cy="1150146"/>
+            <a:chOff x="2743200" y="1192804"/>
+            <a:chExt cx="1183341" cy="1496608"/>
+          </a:xfrm>
+        </p:grpSpPr>
+        <p:sp>
+          <p:nvSpPr>
+            <p:cNvPr id="6" name="Rectangle 5"/>
+            <p:cNvSpPr/>
+            <p:nvPr/>
+          </p:nvSpPr>
+          <p:spPr>
+            <a:xfrm>
+              <a:off x="2743200" y="1506071"/>
+              <a:ext cx="1183341" cy="1183341"/>
+            </a:xfrm>
+            <a:prstGeom prst="rect">
+              <a:avLst/>
+            </a:prstGeom>
+            <a:ln w="31750"/>
+          </p:spPr>
+          <p:style>
+            <a:lnRef idx="2">
+              <a:schemeClr val="dk1"/>
+            </a:lnRef>
+            <a:fillRef idx="1">
+              <a:schemeClr val="lt1"/>
+            </a:fillRef>
+            <a:effectRef idx="0">
+              <a:schemeClr val="dk1"/>
+            </a:effectRef>
+            <a:fontRef idx="minor">
+              <a:schemeClr val="dk1"/>
+            </a:fontRef>
+          </p:style>
+          <p:txBody>
+            <a:bodyPr rtlCol="0" anchor="ctr"/>
+            <a:lstStyle/>
+            <a:p>
+              <a:pPr algn="ctr"/>
+              <a:endParaRPr lang="en-GB"/>
+            </a:p>
+          </p:txBody>
+        </p:sp>
+        <p:sp>
+          <p:nvSpPr>
+            <p:cNvPr id="7" name="Rectangle 6"/>
+            <p:cNvSpPr/>
+            <p:nvPr/>
+          </p:nvSpPr>
+          <p:spPr>
+            <a:xfrm>
+              <a:off x="2765094" y="1192804"/>
+              <a:ext cx="1144426" cy="626533"/>
+            </a:xfrm>
+            <a:prstGeom prst="rect">
+              <a:avLst/>
+            </a:prstGeom>
+            <a:solidFill>
+              <a:schemeClr val="bg1"/>
+            </a:solidFill>
+            <a:ln>
+              <a:noFill/>
+            </a:ln>
+          </p:spPr>
+          <p:style>
+            <a:lnRef idx="2">
+              <a:schemeClr val="accent1">
+                <a:shade val="50000"/>
+              </a:schemeClr>
+            </a:lnRef>
+            <a:fillRef idx="1">
+              <a:schemeClr val="accent1"/>
+            </a:fillRef>
+            <a:effectRef idx="0">
+              <a:schemeClr val="accent1"/>
+            </a:effectRef>
+            <a:fontRef idx="minor">
+              <a:schemeClr val="lt1"/>
+            </a:fontRef>
+          </p:style>
+          <p:txBody>
+            <a:bodyPr rtlCol="0" anchor="ctr"/>
+            <a:lstStyle/>
+            <a:p>
+              <a:pPr algn="ctr"/>
+              <a:endParaRPr lang="en-GB"/>
+            </a:p>
+          </p:txBody>
+        </p:sp>
+      </p:grpSp>
+      <p:sp>
+        <p:nvSpPr>
+          <p:cNvPr id="8" name="Rectangle 7"/>
           <p:cNvSpPr/>
           <p:nvPr/>
         </p:nvSpPr>
         <p:spPr>
           <a:xfrm>
-            <a:off x="2743200" y="1506071"/>
-            <a:ext cx="1183341" cy="1183341"/>
-          </a:xfrm>
-          <a:prstGeom prst="rect">
-            <a:avLst/>
-          </a:prstGeom>
-          <a:ln w="31750"/>
-        </p:spPr>
-        <p:style>
-          <a:lnRef idx="2">
-            <a:schemeClr val="dk1"/>
-          </a:lnRef>
-          <a:fillRef idx="1">
-            <a:schemeClr val="lt1"/>
-          </a:fillRef>
-          <a:effectRef idx="0">
-            <a:schemeClr val="dk1"/>
-          </a:effectRef>
-          <a:fontRef idx="minor">
-            <a:schemeClr val="dk1"/>
-          </a:fontRef>
-        </p:style>
-        <p:txBody>
-          <a:bodyPr rtlCol="0" anchor="ctr"/>
-          <a:lstStyle/>
-          <a:p>
-            <a:pPr algn="ctr"/>
-            <a:endParaRPr lang="en-GB"/>
-          </a:p>
-        </p:txBody>
-      </p:sp>
-      <p:sp>
-        <p:nvSpPr>
-          <p:cNvPr id="7" name="Rectangle 6"/>
-          <p:cNvSpPr/>
-          <p:nvPr/>
-        </p:nvSpPr>
-        <p:spPr>
-          <a:xfrm>
-            <a:off x="2760133" y="1192804"/>
-            <a:ext cx="1159200" cy="626533"/>
+            <a:off x="3821441" y="2438400"/>
+            <a:ext cx="588309" cy="95250"/>
           </a:xfrm>
           <a:prstGeom prst="rect">
             <a:avLst/>
           </a:prstGeom>
           <a:solidFill>
-            <a:schemeClr val="bg1"/>
+            <a:schemeClr val="bg1">
+              <a:lumMod val="95000"/>
+            </a:schemeClr>
           </a:solidFill>
-          <a:ln>
-            <a:noFill/>
+          <a:ln w="19050">
+            <a:solidFill>
+              <a:schemeClr val="tx1"/>
+            </a:solidFill>
           </a:ln>
         </p:spPr>
         <p:style>
@@ -3051,21 +3116,21 @@
       </p:sp>
       <p:sp>
         <p:nvSpPr>
-          <p:cNvPr id="8" name="Rectangle 7"/>
+          <p:cNvPr id="14" name="Rectangle 13"/>
           <p:cNvSpPr/>
           <p:nvPr/>
         </p:nvSpPr>
         <p:spPr>
           <a:xfrm>
-            <a:off x="3926541" y="2438400"/>
-            <a:ext cx="588309" cy="95250"/>
+            <a:off x="4015677" y="3288980"/>
+            <a:ext cx="956441" cy="116372"/>
           </a:xfrm>
           <a:prstGeom prst="rect">
             <a:avLst/>
           </a:prstGeom>
           <a:solidFill>
             <a:schemeClr val="bg1">
-              <a:lumMod val="95000"/>
+              <a:lumMod val="75000"/>
             </a:schemeClr>
           </a:solidFill>
           <a:ln w="31750">
@@ -3099,6 +3164,1001 @@
           </a:p>
         </p:txBody>
       </p:sp>
+      <p:grpSp>
+        <p:nvGrpSpPr>
+          <p:cNvPr id="20" name="Group 19"/>
+          <p:cNvGrpSpPr/>
+          <p:nvPr/>
+        </p:nvGrpSpPr>
+        <p:grpSpPr>
+          <a:xfrm>
+            <a:off x="5225733" y="2710432"/>
+            <a:ext cx="208921" cy="694920"/>
+            <a:chOff x="5131782" y="2710432"/>
+            <a:chExt cx="208921" cy="694920"/>
+          </a:xfrm>
+        </p:grpSpPr>
+        <p:sp>
+          <p:nvSpPr>
+            <p:cNvPr id="15" name="Rectangle 14"/>
+            <p:cNvSpPr/>
+            <p:nvPr/>
+          </p:nvSpPr>
+          <p:spPr>
+            <a:xfrm>
+              <a:off x="5204070" y="2710432"/>
+              <a:ext cx="73573" cy="694920"/>
+            </a:xfrm>
+            <a:prstGeom prst="rect">
+              <a:avLst/>
+            </a:prstGeom>
+            <a:solidFill>
+              <a:schemeClr val="bg1">
+                <a:lumMod val="95000"/>
+              </a:schemeClr>
+            </a:solidFill>
+            <a:ln w="15875">
+              <a:solidFill>
+                <a:schemeClr val="tx1"/>
+              </a:solidFill>
+            </a:ln>
+          </p:spPr>
+          <p:style>
+            <a:lnRef idx="2">
+              <a:schemeClr val="accent1">
+                <a:shade val="50000"/>
+              </a:schemeClr>
+            </a:lnRef>
+            <a:fillRef idx="1">
+              <a:schemeClr val="accent1"/>
+            </a:fillRef>
+            <a:effectRef idx="0">
+              <a:schemeClr val="accent1"/>
+            </a:effectRef>
+            <a:fontRef idx="minor">
+              <a:schemeClr val="lt1"/>
+            </a:fontRef>
+          </p:style>
+          <p:txBody>
+            <a:bodyPr rtlCol="0" anchor="ctr"/>
+            <a:lstStyle/>
+            <a:p>
+              <a:pPr algn="ctr"/>
+              <a:endParaRPr lang="en-GB"/>
+            </a:p>
+          </p:txBody>
+        </p:sp>
+        <p:cxnSp>
+          <p:nvCxnSpPr>
+            <p:cNvPr id="17" name="Straight Connector 16"/>
+            <p:cNvCxnSpPr/>
+            <p:nvPr/>
+          </p:nvCxnSpPr>
+          <p:spPr>
+            <a:xfrm>
+              <a:off x="5131782" y="3405352"/>
+              <a:ext cx="208921" cy="0"/>
+            </a:xfrm>
+            <a:prstGeom prst="line">
+              <a:avLst/>
+            </a:prstGeom>
+            <a:ln w="31750">
+              <a:solidFill>
+                <a:schemeClr val="tx1"/>
+              </a:solidFill>
+            </a:ln>
+          </p:spPr>
+          <p:style>
+            <a:lnRef idx="1">
+              <a:schemeClr val="accent1"/>
+            </a:lnRef>
+            <a:fillRef idx="0">
+              <a:schemeClr val="accent1"/>
+            </a:fillRef>
+            <a:effectRef idx="0">
+              <a:schemeClr val="accent1"/>
+            </a:effectRef>
+            <a:fontRef idx="minor">
+              <a:schemeClr val="tx1"/>
+            </a:fontRef>
+          </p:style>
+        </p:cxnSp>
+      </p:grpSp>
+      <p:sp>
+        <p:nvSpPr>
+          <p:cNvPr id="21" name="Rectangle 20"/>
+          <p:cNvSpPr/>
+          <p:nvPr/>
+        </p:nvSpPr>
+        <p:spPr>
+          <a:xfrm>
+            <a:off x="2932388" y="2723012"/>
+            <a:ext cx="725213" cy="125999"/>
+          </a:xfrm>
+          <a:prstGeom prst="rect">
+            <a:avLst/>
+          </a:prstGeom>
+          <a:solidFill>
+            <a:schemeClr val="tx1">
+              <a:lumMod val="50000"/>
+              <a:lumOff val="50000"/>
+            </a:schemeClr>
+          </a:solidFill>
+          <a:ln w="28575">
+            <a:solidFill>
+              <a:schemeClr val="tx1"/>
+            </a:solidFill>
+          </a:ln>
+        </p:spPr>
+        <p:style>
+          <a:lnRef idx="2">
+            <a:schemeClr val="accent1">
+              <a:shade val="50000"/>
+            </a:schemeClr>
+          </a:lnRef>
+          <a:fillRef idx="1">
+            <a:schemeClr val="accent1"/>
+          </a:fillRef>
+          <a:effectRef idx="0">
+            <a:schemeClr val="accent1"/>
+          </a:effectRef>
+          <a:fontRef idx="minor">
+            <a:schemeClr val="lt1"/>
+          </a:fontRef>
+        </p:style>
+        <p:txBody>
+          <a:bodyPr rtlCol="0" anchor="ctr"/>
+          <a:lstStyle/>
+          <a:p>
+            <a:pPr algn="ctr"/>
+            <a:endParaRPr lang="en-GB"/>
+          </a:p>
+        </p:txBody>
+      </p:sp>
+      <p:cxnSp>
+        <p:nvCxnSpPr>
+          <p:cNvPr id="24" name="Straight Connector 23"/>
+          <p:cNvCxnSpPr/>
+          <p:nvPr/>
+        </p:nvCxnSpPr>
+        <p:spPr>
+          <a:xfrm flipH="1">
+            <a:off x="3345088" y="2861591"/>
+            <a:ext cx="4362" cy="556341"/>
+          </a:xfrm>
+          <a:prstGeom prst="line">
+            <a:avLst/>
+          </a:prstGeom>
+          <a:ln w="31750">
+            <a:solidFill>
+              <a:schemeClr val="tx1"/>
+            </a:solidFill>
+          </a:ln>
+        </p:spPr>
+        <p:style>
+          <a:lnRef idx="1">
+            <a:schemeClr val="accent1"/>
+          </a:lnRef>
+          <a:fillRef idx="0">
+            <a:schemeClr val="accent1"/>
+          </a:fillRef>
+          <a:effectRef idx="0">
+            <a:schemeClr val="accent1"/>
+          </a:effectRef>
+          <a:fontRef idx="minor">
+            <a:schemeClr val="tx1"/>
+          </a:fontRef>
+        </p:style>
+      </p:cxnSp>
+      <p:cxnSp>
+        <p:nvCxnSpPr>
+          <p:cNvPr id="33" name="Straight Connector 32"/>
+          <p:cNvCxnSpPr/>
+          <p:nvPr/>
+        </p:nvCxnSpPr>
+        <p:spPr>
+          <a:xfrm flipH="1">
+            <a:off x="3212848" y="2858878"/>
+            <a:ext cx="4362" cy="556341"/>
+          </a:xfrm>
+          <a:prstGeom prst="line">
+            <a:avLst/>
+          </a:prstGeom>
+          <a:ln w="31750">
+            <a:solidFill>
+              <a:schemeClr val="tx1"/>
+            </a:solidFill>
+          </a:ln>
+        </p:spPr>
+        <p:style>
+          <a:lnRef idx="1">
+            <a:schemeClr val="accent1"/>
+          </a:lnRef>
+          <a:fillRef idx="0">
+            <a:schemeClr val="accent1"/>
+          </a:fillRef>
+          <a:effectRef idx="0">
+            <a:schemeClr val="accent1"/>
+          </a:effectRef>
+          <a:fontRef idx="minor">
+            <a:schemeClr val="tx1"/>
+          </a:fontRef>
+        </p:style>
+      </p:cxnSp>
+      <p:sp>
+        <p:nvSpPr>
+          <p:cNvPr id="34" name="Rectangle 33"/>
+          <p:cNvSpPr/>
+          <p:nvPr/>
+        </p:nvSpPr>
+        <p:spPr>
+          <a:xfrm>
+            <a:off x="2932388" y="3371086"/>
+            <a:ext cx="725213" cy="54000"/>
+          </a:xfrm>
+          <a:prstGeom prst="rect">
+            <a:avLst/>
+          </a:prstGeom>
+          <a:solidFill>
+            <a:schemeClr val="tx1">
+              <a:lumMod val="65000"/>
+              <a:lumOff val="35000"/>
+            </a:schemeClr>
+          </a:solidFill>
+          <a:ln w="28575">
+            <a:solidFill>
+              <a:schemeClr val="tx1"/>
+            </a:solidFill>
+          </a:ln>
+        </p:spPr>
+        <p:style>
+          <a:lnRef idx="2">
+            <a:schemeClr val="accent1">
+              <a:shade val="50000"/>
+            </a:schemeClr>
+          </a:lnRef>
+          <a:fillRef idx="1">
+            <a:schemeClr val="accent1"/>
+          </a:fillRef>
+          <a:effectRef idx="0">
+            <a:schemeClr val="accent1"/>
+          </a:effectRef>
+          <a:fontRef idx="minor">
+            <a:schemeClr val="lt1"/>
+          </a:fontRef>
+        </p:style>
+        <p:txBody>
+          <a:bodyPr rtlCol="0" anchor="ctr"/>
+          <a:lstStyle/>
+          <a:p>
+            <a:pPr algn="ctr"/>
+            <a:endParaRPr lang="en-GB"/>
+          </a:p>
+        </p:txBody>
+      </p:sp>
+      <p:grpSp>
+        <p:nvGrpSpPr>
+          <p:cNvPr id="38" name="Group 37"/>
+          <p:cNvGrpSpPr/>
+          <p:nvPr/>
+        </p:nvGrpSpPr>
+        <p:grpSpPr>
+          <a:xfrm>
+            <a:off x="4157636" y="2596661"/>
+            <a:ext cx="658351" cy="662629"/>
+            <a:chOff x="4157636" y="2626351"/>
+            <a:chExt cx="658351" cy="662629"/>
+          </a:xfrm>
+        </p:grpSpPr>
+        <p:grpSp>
+          <p:nvGrpSpPr>
+            <p:cNvPr id="11" name="Group 10"/>
+            <p:cNvGrpSpPr/>
+            <p:nvPr/>
+          </p:nvGrpSpPr>
+          <p:grpSpPr>
+            <a:xfrm>
+              <a:off x="4247629" y="2626351"/>
+              <a:ext cx="492538" cy="662629"/>
+              <a:chOff x="2743200" y="1192804"/>
+              <a:chExt cx="1183341" cy="1496608"/>
+            </a:xfrm>
+          </p:grpSpPr>
+          <p:sp>
+            <p:nvSpPr>
+              <p:cNvPr id="12" name="Rectangle 11"/>
+              <p:cNvSpPr/>
+              <p:nvPr/>
+            </p:nvSpPr>
+            <p:spPr>
+              <a:xfrm>
+                <a:off x="2743200" y="1506071"/>
+                <a:ext cx="1183341" cy="1183341"/>
+              </a:xfrm>
+              <a:prstGeom prst="rect">
+                <a:avLst/>
+              </a:prstGeom>
+              <a:ln w="31750"/>
+            </p:spPr>
+            <p:style>
+              <a:lnRef idx="2">
+                <a:schemeClr val="dk1"/>
+              </a:lnRef>
+              <a:fillRef idx="1">
+                <a:schemeClr val="lt1"/>
+              </a:fillRef>
+              <a:effectRef idx="0">
+                <a:schemeClr val="dk1"/>
+              </a:effectRef>
+              <a:fontRef idx="minor">
+                <a:schemeClr val="dk1"/>
+              </a:fontRef>
+            </p:style>
+            <p:txBody>
+              <a:bodyPr rtlCol="0" anchor="ctr"/>
+              <a:lstStyle/>
+              <a:p>
+                <a:pPr algn="ctr"/>
+                <a:endParaRPr lang="en-GB"/>
+              </a:p>
+            </p:txBody>
+          </p:sp>
+          <p:sp>
+            <p:nvSpPr>
+              <p:cNvPr id="13" name="Rectangle 12"/>
+              <p:cNvSpPr/>
+              <p:nvPr/>
+            </p:nvSpPr>
+            <p:spPr>
+              <a:xfrm>
+                <a:off x="2785384" y="1192804"/>
+                <a:ext cx="1107089" cy="626533"/>
+              </a:xfrm>
+              <a:prstGeom prst="rect">
+                <a:avLst/>
+              </a:prstGeom>
+              <a:solidFill>
+                <a:schemeClr val="bg1"/>
+              </a:solidFill>
+              <a:ln>
+                <a:noFill/>
+              </a:ln>
+            </p:spPr>
+            <p:style>
+              <a:lnRef idx="2">
+                <a:schemeClr val="accent1">
+                  <a:shade val="50000"/>
+                </a:schemeClr>
+              </a:lnRef>
+              <a:fillRef idx="1">
+                <a:schemeClr val="accent1"/>
+              </a:fillRef>
+              <a:effectRef idx="0">
+                <a:schemeClr val="accent1"/>
+              </a:effectRef>
+              <a:fontRef idx="minor">
+                <a:schemeClr val="lt1"/>
+              </a:fontRef>
+            </p:style>
+            <p:txBody>
+              <a:bodyPr rtlCol="0" anchor="ctr"/>
+              <a:lstStyle/>
+              <a:p>
+                <a:pPr algn="ctr"/>
+                <a:endParaRPr lang="en-GB"/>
+              </a:p>
+            </p:txBody>
+          </p:sp>
+        </p:grpSp>
+        <p:cxnSp>
+          <p:nvCxnSpPr>
+            <p:cNvPr id="36" name="Straight Connector 35"/>
+            <p:cNvCxnSpPr/>
+            <p:nvPr/>
+          </p:nvCxnSpPr>
+          <p:spPr>
+            <a:xfrm>
+              <a:off x="4157636" y="2765051"/>
+              <a:ext cx="90000" cy="0"/>
+            </a:xfrm>
+            <a:prstGeom prst="line">
+              <a:avLst/>
+            </a:prstGeom>
+            <a:ln w="31750">
+              <a:solidFill>
+                <a:schemeClr val="tx1"/>
+              </a:solidFill>
+            </a:ln>
+          </p:spPr>
+          <p:style>
+            <a:lnRef idx="1">
+              <a:schemeClr val="accent1"/>
+            </a:lnRef>
+            <a:fillRef idx="0">
+              <a:schemeClr val="accent1"/>
+            </a:fillRef>
+            <a:effectRef idx="0">
+              <a:schemeClr val="accent1"/>
+            </a:effectRef>
+            <a:fontRef idx="minor">
+              <a:schemeClr val="tx1"/>
+            </a:fontRef>
+          </p:style>
+        </p:cxnSp>
+        <p:cxnSp>
+          <p:nvCxnSpPr>
+            <p:cNvPr id="37" name="Straight Connector 36"/>
+            <p:cNvCxnSpPr/>
+            <p:nvPr/>
+          </p:nvCxnSpPr>
+          <p:spPr>
+            <a:xfrm>
+              <a:off x="4725987" y="2765051"/>
+              <a:ext cx="90000" cy="0"/>
+            </a:xfrm>
+            <a:prstGeom prst="line">
+              <a:avLst/>
+            </a:prstGeom>
+            <a:ln w="31750">
+              <a:solidFill>
+                <a:schemeClr val="tx1"/>
+              </a:solidFill>
+            </a:ln>
+          </p:spPr>
+          <p:style>
+            <a:lnRef idx="1">
+              <a:schemeClr val="accent1"/>
+            </a:lnRef>
+            <a:fillRef idx="0">
+              <a:schemeClr val="accent1"/>
+            </a:fillRef>
+            <a:effectRef idx="0">
+              <a:schemeClr val="accent1"/>
+            </a:effectRef>
+            <a:fontRef idx="minor">
+              <a:schemeClr val="tx1"/>
+            </a:fontRef>
+          </p:style>
+        </p:cxnSp>
+      </p:grpSp>
+      <p:cxnSp>
+        <p:nvCxnSpPr>
+          <p:cNvPr id="39" name="Straight Arrow Connector 38"/>
+          <p:cNvCxnSpPr/>
+          <p:nvPr/>
+        </p:nvCxnSpPr>
+        <p:spPr>
+          <a:xfrm flipV="1">
+            <a:off x="3291936" y="3484585"/>
+            <a:ext cx="0" cy="293331"/>
+          </a:xfrm>
+          <a:prstGeom prst="straightConnector1">
+            <a:avLst/>
+          </a:prstGeom>
+          <a:ln w="34925">
+            <a:solidFill>
+              <a:schemeClr val="bg1">
+                <a:lumMod val="75000"/>
+              </a:schemeClr>
+            </a:solidFill>
+            <a:tailEnd type="triangle"/>
+          </a:ln>
+        </p:spPr>
+        <p:style>
+          <a:lnRef idx="1">
+            <a:schemeClr val="accent1"/>
+          </a:lnRef>
+          <a:fillRef idx="0">
+            <a:schemeClr val="accent1"/>
+          </a:fillRef>
+          <a:effectRef idx="0">
+            <a:schemeClr val="accent1"/>
+          </a:effectRef>
+          <a:fontRef idx="minor">
+            <a:schemeClr val="tx1"/>
+          </a:fontRef>
+        </p:style>
+      </p:cxnSp>
+      <p:cxnSp>
+        <p:nvCxnSpPr>
+          <p:cNvPr id="41" name="Straight Arrow Connector 40"/>
+          <p:cNvCxnSpPr/>
+          <p:nvPr/>
+        </p:nvCxnSpPr>
+        <p:spPr>
+          <a:xfrm flipV="1">
+            <a:off x="4493897" y="3484584"/>
+            <a:ext cx="0" cy="293331"/>
+          </a:xfrm>
+          <a:prstGeom prst="straightConnector1">
+            <a:avLst/>
+          </a:prstGeom>
+          <a:ln w="34925">
+            <a:solidFill>
+              <a:schemeClr val="bg1">
+                <a:lumMod val="75000"/>
+              </a:schemeClr>
+            </a:solidFill>
+            <a:tailEnd type="triangle"/>
+          </a:ln>
+        </p:spPr>
+        <p:style>
+          <a:lnRef idx="1">
+            <a:schemeClr val="accent1"/>
+          </a:lnRef>
+          <a:fillRef idx="0">
+            <a:schemeClr val="accent1"/>
+          </a:fillRef>
+          <a:effectRef idx="0">
+            <a:schemeClr val="accent1"/>
+          </a:effectRef>
+          <a:fontRef idx="minor">
+            <a:schemeClr val="tx1"/>
+          </a:fontRef>
+        </p:style>
+      </p:cxnSp>
+      <p:sp>
+        <p:nvSpPr>
+          <p:cNvPr id="43" name="TextBox 42"/>
+          <p:cNvSpPr txBox="1"/>
+          <p:nvPr/>
+        </p:nvSpPr>
+        <p:spPr>
+          <a:xfrm>
+            <a:off x="3706835" y="3786342"/>
+            <a:ext cx="1574124" cy="646331"/>
+          </a:xfrm>
+          <a:prstGeom prst="rect">
+            <a:avLst/>
+          </a:prstGeom>
+          <a:noFill/>
+        </p:spPr>
+        <p:txBody>
+          <a:bodyPr wrap="square" rtlCol="0">
+            <a:spAutoFit/>
+          </a:bodyPr>
+          <a:lstStyle/>
+          <a:p>
+            <a:pPr algn="ctr"/>
+            <a:r>
+              <a:rPr lang="en-GB" dirty="0" smtClean="0">
+                <a:latin typeface="CMU Serif Roman" charset="0"/>
+                <a:ea typeface="CMU Serif Roman" charset="0"/>
+                <a:cs typeface="CMU Serif Roman" charset="0"/>
+              </a:rPr>
+              <a:t>Electric</a:t>
+            </a:r>
+            <a:endParaRPr lang="en-GB" dirty="0" smtClean="0">
+              <a:latin typeface="CMU Serif Roman" charset="0"/>
+              <a:ea typeface="CMU Serif Roman" charset="0"/>
+              <a:cs typeface="CMU Serif Roman" charset="0"/>
+            </a:endParaRPr>
+          </a:p>
+          <a:p>
+            <a:pPr algn="ctr"/>
+            <a:r>
+              <a:rPr lang="en-GB" dirty="0" smtClean="0">
+                <a:latin typeface="CMU Serif Roman" charset="0"/>
+                <a:ea typeface="CMU Serif Roman" charset="0"/>
+                <a:cs typeface="CMU Serif Roman" charset="0"/>
+              </a:rPr>
+              <a:t>Scales</a:t>
+            </a:r>
+            <a:endParaRPr lang="en-GB" dirty="0">
+              <a:latin typeface="CMU Serif Roman" charset="0"/>
+              <a:ea typeface="CMU Serif Roman" charset="0"/>
+              <a:cs typeface="CMU Serif Roman" charset="0"/>
+            </a:endParaRPr>
+          </a:p>
+        </p:txBody>
+      </p:sp>
+      <p:sp>
+        <p:nvSpPr>
+          <p:cNvPr id="44" name="TextBox 43"/>
+          <p:cNvSpPr txBox="1"/>
+          <p:nvPr/>
+        </p:nvSpPr>
+        <p:spPr>
+          <a:xfrm>
+            <a:off x="2504874" y="3786972"/>
+            <a:ext cx="1574124" cy="646331"/>
+          </a:xfrm>
+          <a:prstGeom prst="rect">
+            <a:avLst/>
+          </a:prstGeom>
+          <a:noFill/>
+        </p:spPr>
+        <p:txBody>
+          <a:bodyPr wrap="square" rtlCol="0">
+            <a:spAutoFit/>
+          </a:bodyPr>
+          <a:lstStyle/>
+          <a:p>
+            <a:pPr algn="ctr"/>
+            <a:r>
+              <a:rPr lang="en-GB" dirty="0" smtClean="0">
+                <a:latin typeface="CMU Serif Roman" charset="0"/>
+                <a:ea typeface="CMU Serif Roman" charset="0"/>
+                <a:cs typeface="CMU Serif Roman" charset="0"/>
+              </a:rPr>
+              <a:t>Adjustable</a:t>
+            </a:r>
+            <a:endParaRPr lang="en-GB" dirty="0" smtClean="0">
+              <a:latin typeface="CMU Serif Roman" charset="0"/>
+              <a:ea typeface="CMU Serif Roman" charset="0"/>
+              <a:cs typeface="CMU Serif Roman" charset="0"/>
+            </a:endParaRPr>
+          </a:p>
+          <a:p>
+            <a:pPr algn="ctr"/>
+            <a:r>
+              <a:rPr lang="en-GB" dirty="0" smtClean="0">
+                <a:latin typeface="CMU Serif Roman" charset="0"/>
+                <a:ea typeface="CMU Serif Roman" charset="0"/>
+                <a:cs typeface="CMU Serif Roman" charset="0"/>
+              </a:rPr>
+              <a:t>Platform</a:t>
+            </a:r>
+            <a:endParaRPr lang="en-GB" dirty="0">
+              <a:latin typeface="CMU Serif Roman" charset="0"/>
+              <a:ea typeface="CMU Serif Roman" charset="0"/>
+              <a:cs typeface="CMU Serif Roman" charset="0"/>
+            </a:endParaRPr>
+          </a:p>
+        </p:txBody>
+      </p:sp>
+      <p:cxnSp>
+        <p:nvCxnSpPr>
+          <p:cNvPr id="45" name="Straight Arrow Connector 44"/>
+          <p:cNvCxnSpPr/>
+          <p:nvPr/>
+        </p:nvCxnSpPr>
+        <p:spPr>
+          <a:xfrm rot="10800000" flipV="1">
+            <a:off x="3279226" y="1704639"/>
+            <a:ext cx="0" cy="293331"/>
+          </a:xfrm>
+          <a:prstGeom prst="straightConnector1">
+            <a:avLst/>
+          </a:prstGeom>
+          <a:ln w="34925">
+            <a:solidFill>
+              <a:schemeClr val="bg1">
+                <a:lumMod val="75000"/>
+              </a:schemeClr>
+            </a:solidFill>
+            <a:tailEnd type="triangle"/>
+          </a:ln>
+        </p:spPr>
+        <p:style>
+          <a:lnRef idx="1">
+            <a:schemeClr val="accent1"/>
+          </a:lnRef>
+          <a:fillRef idx="0">
+            <a:schemeClr val="accent1"/>
+          </a:fillRef>
+          <a:effectRef idx="0">
+            <a:schemeClr val="accent1"/>
+          </a:effectRef>
+          <a:fontRef idx="minor">
+            <a:schemeClr val="tx1"/>
+          </a:fontRef>
+        </p:style>
+      </p:cxnSp>
+      <p:sp>
+        <p:nvSpPr>
+          <p:cNvPr id="46" name="TextBox 45"/>
+          <p:cNvSpPr txBox="1"/>
+          <p:nvPr/>
+        </p:nvSpPr>
+        <p:spPr>
+          <a:xfrm>
+            <a:off x="2492163" y="1062247"/>
+            <a:ext cx="1574124" cy="646331"/>
+          </a:xfrm>
+          <a:prstGeom prst="rect">
+            <a:avLst/>
+          </a:prstGeom>
+          <a:noFill/>
+        </p:spPr>
+        <p:txBody>
+          <a:bodyPr wrap="square" rtlCol="0">
+            <a:spAutoFit/>
+          </a:bodyPr>
+          <a:lstStyle/>
+          <a:p>
+            <a:pPr algn="ctr"/>
+            <a:r>
+              <a:rPr lang="en-GB" dirty="0" smtClean="0">
+                <a:latin typeface="CMU Serif Roman" charset="0"/>
+                <a:ea typeface="CMU Serif Roman" charset="0"/>
+                <a:cs typeface="CMU Serif Roman" charset="0"/>
+              </a:rPr>
+              <a:t>Water</a:t>
+            </a:r>
+            <a:r>
+              <a:rPr lang="en-GB" dirty="0">
+                <a:latin typeface="CMU Serif Roman" charset="0"/>
+                <a:ea typeface="CMU Serif Roman" charset="0"/>
+                <a:cs typeface="CMU Serif Roman" charset="0"/>
+              </a:rPr>
+              <a:t> </a:t>
+            </a:r>
+            <a:endParaRPr lang="en-GB" dirty="0" smtClean="0">
+              <a:latin typeface="CMU Serif Roman" charset="0"/>
+              <a:ea typeface="CMU Serif Roman" charset="0"/>
+              <a:cs typeface="CMU Serif Roman" charset="0"/>
+            </a:endParaRPr>
+          </a:p>
+          <a:p>
+            <a:pPr algn="ctr"/>
+            <a:r>
+              <a:rPr lang="en-GB" dirty="0" smtClean="0">
+                <a:latin typeface="CMU Serif Roman" charset="0"/>
+                <a:ea typeface="CMU Serif Roman" charset="0"/>
+                <a:cs typeface="CMU Serif Roman" charset="0"/>
+              </a:rPr>
+              <a:t>Tank</a:t>
+            </a:r>
+            <a:endParaRPr lang="en-GB" dirty="0">
+              <a:latin typeface="CMU Serif Roman" charset="0"/>
+              <a:ea typeface="CMU Serif Roman" charset="0"/>
+              <a:cs typeface="CMU Serif Roman" charset="0"/>
+            </a:endParaRPr>
+          </a:p>
+        </p:txBody>
+      </p:sp>
+      <p:cxnSp>
+        <p:nvCxnSpPr>
+          <p:cNvPr id="49" name="Straight Arrow Connector 48"/>
+          <p:cNvCxnSpPr>
+            <a:stCxn id="50" idx="2"/>
+          </p:cNvCxnSpPr>
+          <p:nvPr/>
+        </p:nvCxnSpPr>
+        <p:spPr>
+          <a:xfrm>
+            <a:off x="4247629" y="1708577"/>
+            <a:ext cx="0" cy="704282"/>
+          </a:xfrm>
+          <a:prstGeom prst="straightConnector1">
+            <a:avLst/>
+          </a:prstGeom>
+          <a:ln w="34925">
+            <a:solidFill>
+              <a:schemeClr val="bg1">
+                <a:lumMod val="75000"/>
+              </a:schemeClr>
+            </a:solidFill>
+            <a:tailEnd type="triangle"/>
+          </a:ln>
+        </p:spPr>
+        <p:style>
+          <a:lnRef idx="1">
+            <a:schemeClr val="accent1"/>
+          </a:lnRef>
+          <a:fillRef idx="0">
+            <a:schemeClr val="accent1"/>
+          </a:fillRef>
+          <a:effectRef idx="0">
+            <a:schemeClr val="accent1"/>
+          </a:effectRef>
+          <a:fontRef idx="minor">
+            <a:schemeClr val="tx1"/>
+          </a:fontRef>
+        </p:style>
+      </p:cxnSp>
+      <p:sp>
+        <p:nvSpPr>
+          <p:cNvPr id="50" name="TextBox 49"/>
+          <p:cNvSpPr txBox="1"/>
+          <p:nvPr/>
+        </p:nvSpPr>
+        <p:spPr>
+          <a:xfrm>
+            <a:off x="3460567" y="1062246"/>
+            <a:ext cx="1574124" cy="646331"/>
+          </a:xfrm>
+          <a:prstGeom prst="rect">
+            <a:avLst/>
+          </a:prstGeom>
+          <a:noFill/>
+        </p:spPr>
+        <p:txBody>
+          <a:bodyPr wrap="square" rtlCol="0">
+            <a:spAutoFit/>
+          </a:bodyPr>
+          <a:lstStyle/>
+          <a:p>
+            <a:pPr algn="ctr"/>
+            <a:r>
+              <a:rPr lang="en-GB" smtClean="0">
+                <a:latin typeface="CMU Serif Roman" charset="0"/>
+                <a:ea typeface="CMU Serif Roman" charset="0"/>
+                <a:cs typeface="CMU Serif Roman" charset="0"/>
+              </a:rPr>
+              <a:t>Capillary Tube</a:t>
+            </a:r>
+            <a:endParaRPr lang="en-GB" dirty="0">
+              <a:latin typeface="CMU Serif Roman" charset="0"/>
+              <a:ea typeface="CMU Serif Roman" charset="0"/>
+              <a:cs typeface="CMU Serif Roman" charset="0"/>
+            </a:endParaRPr>
+          </a:p>
+        </p:txBody>
+      </p:sp>
+      <p:cxnSp>
+        <p:nvCxnSpPr>
+          <p:cNvPr id="52" name="Straight Arrow Connector 51"/>
+          <p:cNvCxnSpPr/>
+          <p:nvPr/>
+        </p:nvCxnSpPr>
+        <p:spPr>
+          <a:xfrm>
+            <a:off x="4770987" y="2171908"/>
+            <a:ext cx="0" cy="520576"/>
+          </a:xfrm>
+          <a:prstGeom prst="straightConnector1">
+            <a:avLst/>
+          </a:prstGeom>
+          <a:ln w="34925">
+            <a:solidFill>
+              <a:schemeClr val="bg1">
+                <a:lumMod val="75000"/>
+              </a:schemeClr>
+            </a:solidFill>
+            <a:tailEnd type="triangle"/>
+          </a:ln>
+        </p:spPr>
+        <p:style>
+          <a:lnRef idx="1">
+            <a:schemeClr val="accent1"/>
+          </a:lnRef>
+          <a:fillRef idx="0">
+            <a:schemeClr val="accent1"/>
+          </a:fillRef>
+          <a:effectRef idx="0">
+            <a:schemeClr val="accent1"/>
+          </a:effectRef>
+          <a:fontRef idx="minor">
+            <a:schemeClr val="tx1"/>
+          </a:fontRef>
+        </p:style>
+      </p:cxnSp>
+      <p:sp>
+        <p:nvSpPr>
+          <p:cNvPr id="53" name="TextBox 52"/>
+          <p:cNvSpPr txBox="1"/>
+          <p:nvPr/>
+        </p:nvSpPr>
+        <p:spPr>
+          <a:xfrm>
+            <a:off x="3983925" y="1817090"/>
+            <a:ext cx="1574124" cy="369332"/>
+          </a:xfrm>
+          <a:prstGeom prst="rect">
+            <a:avLst/>
+          </a:prstGeom>
+          <a:noFill/>
+        </p:spPr>
+        <p:txBody>
+          <a:bodyPr wrap="square" rtlCol="0">
+            <a:spAutoFit/>
+          </a:bodyPr>
+          <a:lstStyle/>
+          <a:p>
+            <a:pPr algn="ctr"/>
+            <a:r>
+              <a:rPr lang="en-GB" dirty="0" smtClean="0">
+                <a:latin typeface="CMU Serif Roman" charset="0"/>
+                <a:ea typeface="CMU Serif Roman" charset="0"/>
+                <a:cs typeface="CMU Serif Roman" charset="0"/>
+              </a:rPr>
+              <a:t>Beaker</a:t>
+            </a:r>
+            <a:endParaRPr lang="en-GB" dirty="0">
+              <a:latin typeface="CMU Serif Roman" charset="0"/>
+              <a:ea typeface="CMU Serif Roman" charset="0"/>
+              <a:cs typeface="CMU Serif Roman" charset="0"/>
+            </a:endParaRPr>
+          </a:p>
+        </p:txBody>
+      </p:sp>
+      <p:sp>
+        <p:nvSpPr>
+          <p:cNvPr id="56" name="TextBox 55"/>
+          <p:cNvSpPr txBox="1"/>
+          <p:nvPr/>
+        </p:nvSpPr>
+        <p:spPr>
+          <a:xfrm>
+            <a:off x="4543131" y="1057307"/>
+            <a:ext cx="1574124" cy="646331"/>
+          </a:xfrm>
+          <a:prstGeom prst="rect">
+            <a:avLst/>
+          </a:prstGeom>
+          <a:noFill/>
+        </p:spPr>
+        <p:txBody>
+          <a:bodyPr wrap="square" rtlCol="0">
+            <a:spAutoFit/>
+          </a:bodyPr>
+          <a:lstStyle/>
+          <a:p>
+            <a:pPr algn="ctr"/>
+            <a:r>
+              <a:rPr lang="en-GB" dirty="0" smtClean="0">
+                <a:latin typeface="CMU Serif Roman" charset="0"/>
+                <a:ea typeface="CMU Serif Roman" charset="0"/>
+                <a:cs typeface="CMU Serif Roman" charset="0"/>
+              </a:rPr>
+              <a:t>Measuring</a:t>
+            </a:r>
+            <a:endParaRPr lang="en-GB" dirty="0" smtClean="0">
+              <a:latin typeface="CMU Serif Roman" charset="0"/>
+              <a:ea typeface="CMU Serif Roman" charset="0"/>
+              <a:cs typeface="CMU Serif Roman" charset="0"/>
+            </a:endParaRPr>
+          </a:p>
+          <a:p>
+            <a:pPr algn="ctr"/>
+            <a:r>
+              <a:rPr lang="en-GB" dirty="0" smtClean="0">
+                <a:latin typeface="CMU Serif Roman" charset="0"/>
+                <a:ea typeface="CMU Serif Roman" charset="0"/>
+                <a:cs typeface="CMU Serif Roman" charset="0"/>
+              </a:rPr>
+              <a:t>Cylinder</a:t>
+            </a:r>
+            <a:endParaRPr lang="en-GB" dirty="0">
+              <a:latin typeface="CMU Serif Roman" charset="0"/>
+              <a:ea typeface="CMU Serif Roman" charset="0"/>
+              <a:cs typeface="CMU Serif Roman" charset="0"/>
+            </a:endParaRPr>
+          </a:p>
+        </p:txBody>
+      </p:sp>
+      <p:cxnSp>
+        <p:nvCxnSpPr>
+          <p:cNvPr id="57" name="Straight Arrow Connector 56"/>
+          <p:cNvCxnSpPr>
+            <a:stCxn id="56" idx="2"/>
+          </p:cNvCxnSpPr>
+          <p:nvPr/>
+        </p:nvCxnSpPr>
+        <p:spPr>
+          <a:xfrm>
+            <a:off x="5330193" y="1703638"/>
+            <a:ext cx="9642" cy="912397"/>
+          </a:xfrm>
+          <a:prstGeom prst="straightConnector1">
+            <a:avLst/>
+          </a:prstGeom>
+          <a:ln w="34925">
+            <a:solidFill>
+              <a:schemeClr val="bg1">
+                <a:lumMod val="75000"/>
+              </a:schemeClr>
+            </a:solidFill>
+            <a:tailEnd type="triangle"/>
+          </a:ln>
+        </p:spPr>
+        <p:style>
+          <a:lnRef idx="1">
+            <a:schemeClr val="accent1"/>
+          </a:lnRef>
+          <a:fillRef idx="0">
+            <a:schemeClr val="accent1"/>
+          </a:fillRef>
+          <a:effectRef idx="0">
+            <a:schemeClr val="accent1"/>
+          </a:effectRef>
+          <a:fontRef idx="minor">
+            <a:schemeClr val="tx1"/>
+          </a:fontRef>
+        </p:style>
+      </p:cxnSp>
     </p:spTree>
     <p:extLst>
       <p:ext uri="{BB962C8B-B14F-4D97-AF65-F5344CB8AC3E}">
@@ -3109,6 +4169,13 @@
   <p:clrMapOvr>
     <a:masterClrMapping/>
   </p:clrMapOvr>
+  <p:timing>
+    <p:tnLst>
+      <p:par>
+        <p:cTn id="1" dur="indefinite" restart="never" nodeType="tmRoot"/>
+      </p:par>
+    </p:tnLst>
+  </p:timing>
 </p:sld>
 </file>
 

--- a/lab_reports/viscosity_of_water/diagrams.pptx
+++ b/lab_reports/viscosity_of_water/diagrams.pptx
@@ -6,6 +6,7 @@
   </p:sldMasterIdLst>
   <p:sldIdLst>
     <p:sldId id="256" r:id="rId2"/>
+    <p:sldId id="257" r:id="rId3"/>
   </p:sldIdLst>
   <p:sldSz cx="12192000" cy="6858000"/>
   <p:notesSz cx="6858000" cy="9144000"/>
@@ -3972,7 +3973,7 @@
           <a:p>
             <a:pPr algn="ctr"/>
             <a:r>
-              <a:rPr lang="en-GB" smtClean="0">
+              <a:rPr lang="en-GB" dirty="0" smtClean="0">
                 <a:latin typeface="CMU Serif Roman" charset="0"/>
                 <a:ea typeface="CMU Serif Roman" charset="0"/>
                 <a:cs typeface="CMU Serif Roman" charset="0"/>
@@ -4163,6 +4164,1249 @@
     <p:extLst>
       <p:ext uri="{BB962C8B-B14F-4D97-AF65-F5344CB8AC3E}">
         <p14:creationId xmlns:p14="http://schemas.microsoft.com/office/powerpoint/2010/main" val="2130890134"/>
+      </p:ext>
+    </p:extLst>
+  </p:cSld>
+  <p:clrMapOvr>
+    <a:masterClrMapping/>
+  </p:clrMapOvr>
+  <p:timing>
+    <p:tnLst>
+      <p:par>
+        <p:cTn id="1" dur="indefinite" restart="never" nodeType="tmRoot"/>
+      </p:par>
+    </p:tnLst>
+  </p:timing>
+</p:sld>
+</file>
+
+<file path=ppt/slides/slide2.xml><?xml version="1.0" encoding="utf-8"?>
+<p:sld xmlns:a="http://schemas.openxmlformats.org/drawingml/2006/main" xmlns:r="http://schemas.openxmlformats.org/officeDocument/2006/relationships" xmlns:p="http://schemas.openxmlformats.org/presentationml/2006/main">
+  <p:cSld>
+    <p:spTree>
+      <p:nvGrpSpPr>
+        <p:cNvPr id="1" name=""/>
+        <p:cNvGrpSpPr/>
+        <p:nvPr/>
+      </p:nvGrpSpPr>
+      <p:grpSpPr>
+        <a:xfrm>
+          <a:off x="0" y="0"/>
+          <a:ext cx="0" cy="0"/>
+          <a:chOff x="0" y="0"/>
+          <a:chExt cx="0" cy="0"/>
+        </a:xfrm>
+      </p:grpSpPr>
+      <p:grpSp>
+        <p:nvGrpSpPr>
+          <p:cNvPr id="34" name="Group 33"/>
+          <p:cNvGrpSpPr/>
+          <p:nvPr/>
+        </p:nvGrpSpPr>
+        <p:grpSpPr>
+          <a:xfrm>
+            <a:off x="2492163" y="1057307"/>
+            <a:ext cx="3625092" cy="3375996"/>
+            <a:chOff x="2492163" y="1057307"/>
+            <a:chExt cx="3625092" cy="3375996"/>
+          </a:xfrm>
+        </p:grpSpPr>
+        <p:grpSp>
+          <p:nvGrpSpPr>
+            <p:cNvPr id="4" name="Group 3"/>
+            <p:cNvGrpSpPr/>
+            <p:nvPr/>
+          </p:nvGrpSpPr>
+          <p:grpSpPr>
+            <a:xfrm>
+              <a:off x="2743199" y="1560287"/>
+              <a:ext cx="1072055" cy="1150146"/>
+              <a:chOff x="2743200" y="1192804"/>
+              <a:chExt cx="1183341" cy="1496608"/>
+            </a:xfrm>
+          </p:grpSpPr>
+          <p:sp>
+            <p:nvSpPr>
+              <p:cNvPr id="5" name="Rectangle 4"/>
+              <p:cNvSpPr/>
+              <p:nvPr/>
+            </p:nvSpPr>
+            <p:spPr>
+              <a:xfrm>
+                <a:off x="2743200" y="1506071"/>
+                <a:ext cx="1183341" cy="1183341"/>
+              </a:xfrm>
+              <a:prstGeom prst="rect">
+                <a:avLst/>
+              </a:prstGeom>
+              <a:ln w="31750"/>
+            </p:spPr>
+            <p:style>
+              <a:lnRef idx="2">
+                <a:schemeClr val="dk1"/>
+              </a:lnRef>
+              <a:fillRef idx="1">
+                <a:schemeClr val="lt1"/>
+              </a:fillRef>
+              <a:effectRef idx="0">
+                <a:schemeClr val="dk1"/>
+              </a:effectRef>
+              <a:fontRef idx="minor">
+                <a:schemeClr val="dk1"/>
+              </a:fontRef>
+            </p:style>
+            <p:txBody>
+              <a:bodyPr rtlCol="0" anchor="ctr"/>
+              <a:lstStyle/>
+              <a:p>
+                <a:pPr algn="ctr"/>
+                <a:endParaRPr lang="en-GB"/>
+              </a:p>
+            </p:txBody>
+          </p:sp>
+          <p:sp>
+            <p:nvSpPr>
+              <p:cNvPr id="6" name="Rectangle 5"/>
+              <p:cNvSpPr/>
+              <p:nvPr/>
+            </p:nvSpPr>
+            <p:spPr>
+              <a:xfrm>
+                <a:off x="2765094" y="1192804"/>
+                <a:ext cx="1144426" cy="626533"/>
+              </a:xfrm>
+              <a:prstGeom prst="rect">
+                <a:avLst/>
+              </a:prstGeom>
+              <a:solidFill>
+                <a:schemeClr val="bg1"/>
+              </a:solidFill>
+              <a:ln>
+                <a:noFill/>
+              </a:ln>
+            </p:spPr>
+            <p:style>
+              <a:lnRef idx="2">
+                <a:schemeClr val="accent1">
+                  <a:shade val="50000"/>
+                </a:schemeClr>
+              </a:lnRef>
+              <a:fillRef idx="1">
+                <a:schemeClr val="accent1"/>
+              </a:fillRef>
+              <a:effectRef idx="0">
+                <a:schemeClr val="accent1"/>
+              </a:effectRef>
+              <a:fontRef idx="minor">
+                <a:schemeClr val="lt1"/>
+              </a:fontRef>
+            </p:style>
+            <p:txBody>
+              <a:bodyPr rtlCol="0" anchor="ctr"/>
+              <a:lstStyle/>
+              <a:p>
+                <a:pPr algn="ctr"/>
+                <a:endParaRPr lang="en-GB"/>
+              </a:p>
+            </p:txBody>
+          </p:sp>
+        </p:grpSp>
+        <p:sp>
+          <p:nvSpPr>
+            <p:cNvPr id="7" name="Rectangle 6"/>
+            <p:cNvSpPr/>
+            <p:nvPr/>
+          </p:nvSpPr>
+          <p:spPr>
+            <a:xfrm>
+              <a:off x="3821441" y="2438400"/>
+              <a:ext cx="588309" cy="95250"/>
+            </a:xfrm>
+            <a:prstGeom prst="rect">
+              <a:avLst/>
+            </a:prstGeom>
+            <a:solidFill>
+              <a:schemeClr val="bg1">
+                <a:lumMod val="95000"/>
+              </a:schemeClr>
+            </a:solidFill>
+            <a:ln w="19050">
+              <a:solidFill>
+                <a:schemeClr val="tx1"/>
+              </a:solidFill>
+            </a:ln>
+          </p:spPr>
+          <p:style>
+            <a:lnRef idx="2">
+              <a:schemeClr val="accent1">
+                <a:shade val="50000"/>
+              </a:schemeClr>
+            </a:lnRef>
+            <a:fillRef idx="1">
+              <a:schemeClr val="accent1"/>
+            </a:fillRef>
+            <a:effectRef idx="0">
+              <a:schemeClr val="accent1"/>
+            </a:effectRef>
+            <a:fontRef idx="minor">
+              <a:schemeClr val="lt1"/>
+            </a:fontRef>
+          </p:style>
+          <p:txBody>
+            <a:bodyPr rtlCol="0" anchor="ctr"/>
+            <a:lstStyle/>
+            <a:p>
+              <a:pPr algn="ctr"/>
+              <a:endParaRPr lang="en-GB"/>
+            </a:p>
+          </p:txBody>
+        </p:sp>
+        <p:sp>
+          <p:nvSpPr>
+            <p:cNvPr id="8" name="Rectangle 7"/>
+            <p:cNvSpPr/>
+            <p:nvPr/>
+          </p:nvSpPr>
+          <p:spPr>
+            <a:xfrm>
+              <a:off x="4015677" y="3288980"/>
+              <a:ext cx="956441" cy="116372"/>
+            </a:xfrm>
+            <a:prstGeom prst="rect">
+              <a:avLst/>
+            </a:prstGeom>
+            <a:solidFill>
+              <a:schemeClr val="bg1">
+                <a:lumMod val="75000"/>
+              </a:schemeClr>
+            </a:solidFill>
+            <a:ln w="31750">
+              <a:solidFill>
+                <a:schemeClr val="tx1"/>
+              </a:solidFill>
+            </a:ln>
+          </p:spPr>
+          <p:style>
+            <a:lnRef idx="2">
+              <a:schemeClr val="accent1">
+                <a:shade val="50000"/>
+              </a:schemeClr>
+            </a:lnRef>
+            <a:fillRef idx="1">
+              <a:schemeClr val="accent1"/>
+            </a:fillRef>
+            <a:effectRef idx="0">
+              <a:schemeClr val="accent1"/>
+            </a:effectRef>
+            <a:fontRef idx="minor">
+              <a:schemeClr val="lt1"/>
+            </a:fontRef>
+          </p:style>
+          <p:txBody>
+            <a:bodyPr rtlCol="0" anchor="ctr"/>
+            <a:lstStyle/>
+            <a:p>
+              <a:pPr algn="ctr"/>
+              <a:endParaRPr lang="en-GB"/>
+            </a:p>
+          </p:txBody>
+        </p:sp>
+        <p:grpSp>
+          <p:nvGrpSpPr>
+            <p:cNvPr id="9" name="Group 8"/>
+            <p:cNvGrpSpPr/>
+            <p:nvPr/>
+          </p:nvGrpSpPr>
+          <p:grpSpPr>
+            <a:xfrm>
+              <a:off x="5225733" y="2710432"/>
+              <a:ext cx="208921" cy="694920"/>
+              <a:chOff x="5131782" y="2710432"/>
+              <a:chExt cx="208921" cy="694920"/>
+            </a:xfrm>
+          </p:grpSpPr>
+          <p:sp>
+            <p:nvSpPr>
+              <p:cNvPr id="10" name="Rectangle 9"/>
+              <p:cNvSpPr/>
+              <p:nvPr/>
+            </p:nvSpPr>
+            <p:spPr>
+              <a:xfrm>
+                <a:off x="5204070" y="2710432"/>
+                <a:ext cx="73573" cy="694920"/>
+              </a:xfrm>
+              <a:prstGeom prst="rect">
+                <a:avLst/>
+              </a:prstGeom>
+              <a:solidFill>
+                <a:schemeClr val="bg1">
+                  <a:lumMod val="95000"/>
+                </a:schemeClr>
+              </a:solidFill>
+              <a:ln w="15875">
+                <a:solidFill>
+                  <a:schemeClr val="tx1"/>
+                </a:solidFill>
+              </a:ln>
+            </p:spPr>
+            <p:style>
+              <a:lnRef idx="2">
+                <a:schemeClr val="accent1">
+                  <a:shade val="50000"/>
+                </a:schemeClr>
+              </a:lnRef>
+              <a:fillRef idx="1">
+                <a:schemeClr val="accent1"/>
+              </a:fillRef>
+              <a:effectRef idx="0">
+                <a:schemeClr val="accent1"/>
+              </a:effectRef>
+              <a:fontRef idx="minor">
+                <a:schemeClr val="lt1"/>
+              </a:fontRef>
+            </p:style>
+            <p:txBody>
+              <a:bodyPr rtlCol="0" anchor="ctr"/>
+              <a:lstStyle/>
+              <a:p>
+                <a:pPr algn="ctr"/>
+                <a:endParaRPr lang="en-GB"/>
+              </a:p>
+            </p:txBody>
+          </p:sp>
+          <p:cxnSp>
+            <p:nvCxnSpPr>
+              <p:cNvPr id="11" name="Straight Connector 10"/>
+              <p:cNvCxnSpPr/>
+              <p:nvPr/>
+            </p:nvCxnSpPr>
+            <p:spPr>
+              <a:xfrm>
+                <a:off x="5131782" y="3405352"/>
+                <a:ext cx="208921" cy="0"/>
+              </a:xfrm>
+              <a:prstGeom prst="line">
+                <a:avLst/>
+              </a:prstGeom>
+              <a:ln w="31750">
+                <a:solidFill>
+                  <a:schemeClr val="tx1"/>
+                </a:solidFill>
+              </a:ln>
+            </p:spPr>
+            <p:style>
+              <a:lnRef idx="1">
+                <a:schemeClr val="accent1"/>
+              </a:lnRef>
+              <a:fillRef idx="0">
+                <a:schemeClr val="accent1"/>
+              </a:fillRef>
+              <a:effectRef idx="0">
+                <a:schemeClr val="accent1"/>
+              </a:effectRef>
+              <a:fontRef idx="minor">
+                <a:schemeClr val="tx1"/>
+              </a:fontRef>
+            </p:style>
+          </p:cxnSp>
+        </p:grpSp>
+        <p:sp>
+          <p:nvSpPr>
+            <p:cNvPr id="12" name="Rectangle 11"/>
+            <p:cNvSpPr/>
+            <p:nvPr/>
+          </p:nvSpPr>
+          <p:spPr>
+            <a:xfrm>
+              <a:off x="2932388" y="2723012"/>
+              <a:ext cx="725213" cy="125999"/>
+            </a:xfrm>
+            <a:prstGeom prst="rect">
+              <a:avLst/>
+            </a:prstGeom>
+            <a:solidFill>
+              <a:schemeClr val="tx1">
+                <a:lumMod val="50000"/>
+                <a:lumOff val="50000"/>
+              </a:schemeClr>
+            </a:solidFill>
+            <a:ln w="28575">
+              <a:solidFill>
+                <a:schemeClr val="tx1"/>
+              </a:solidFill>
+            </a:ln>
+          </p:spPr>
+          <p:style>
+            <a:lnRef idx="2">
+              <a:schemeClr val="accent1">
+                <a:shade val="50000"/>
+              </a:schemeClr>
+            </a:lnRef>
+            <a:fillRef idx="1">
+              <a:schemeClr val="accent1"/>
+            </a:fillRef>
+            <a:effectRef idx="0">
+              <a:schemeClr val="accent1"/>
+            </a:effectRef>
+            <a:fontRef idx="minor">
+              <a:schemeClr val="lt1"/>
+            </a:fontRef>
+          </p:style>
+          <p:txBody>
+            <a:bodyPr rtlCol="0" anchor="ctr"/>
+            <a:lstStyle/>
+            <a:p>
+              <a:pPr algn="ctr"/>
+              <a:endParaRPr lang="en-GB"/>
+            </a:p>
+          </p:txBody>
+        </p:sp>
+        <p:cxnSp>
+          <p:nvCxnSpPr>
+            <p:cNvPr id="13" name="Straight Connector 12"/>
+            <p:cNvCxnSpPr/>
+            <p:nvPr/>
+          </p:nvCxnSpPr>
+          <p:spPr>
+            <a:xfrm flipH="1">
+              <a:off x="3345088" y="2861591"/>
+              <a:ext cx="4362" cy="556341"/>
+            </a:xfrm>
+            <a:prstGeom prst="line">
+              <a:avLst/>
+            </a:prstGeom>
+            <a:ln w="31750">
+              <a:solidFill>
+                <a:schemeClr val="tx1"/>
+              </a:solidFill>
+            </a:ln>
+          </p:spPr>
+          <p:style>
+            <a:lnRef idx="1">
+              <a:schemeClr val="accent1"/>
+            </a:lnRef>
+            <a:fillRef idx="0">
+              <a:schemeClr val="accent1"/>
+            </a:fillRef>
+            <a:effectRef idx="0">
+              <a:schemeClr val="accent1"/>
+            </a:effectRef>
+            <a:fontRef idx="minor">
+              <a:schemeClr val="tx1"/>
+            </a:fontRef>
+          </p:style>
+        </p:cxnSp>
+        <p:cxnSp>
+          <p:nvCxnSpPr>
+            <p:cNvPr id="14" name="Straight Connector 13"/>
+            <p:cNvCxnSpPr/>
+            <p:nvPr/>
+          </p:nvCxnSpPr>
+          <p:spPr>
+            <a:xfrm flipH="1">
+              <a:off x="3212848" y="2858878"/>
+              <a:ext cx="4362" cy="556341"/>
+            </a:xfrm>
+            <a:prstGeom prst="line">
+              <a:avLst/>
+            </a:prstGeom>
+            <a:ln w="31750">
+              <a:solidFill>
+                <a:schemeClr val="tx1"/>
+              </a:solidFill>
+            </a:ln>
+          </p:spPr>
+          <p:style>
+            <a:lnRef idx="1">
+              <a:schemeClr val="accent1"/>
+            </a:lnRef>
+            <a:fillRef idx="0">
+              <a:schemeClr val="accent1"/>
+            </a:fillRef>
+            <a:effectRef idx="0">
+              <a:schemeClr val="accent1"/>
+            </a:effectRef>
+            <a:fontRef idx="minor">
+              <a:schemeClr val="tx1"/>
+            </a:fontRef>
+          </p:style>
+        </p:cxnSp>
+        <p:sp>
+          <p:nvSpPr>
+            <p:cNvPr id="15" name="Rectangle 14"/>
+            <p:cNvSpPr/>
+            <p:nvPr/>
+          </p:nvSpPr>
+          <p:spPr>
+            <a:xfrm>
+              <a:off x="2932388" y="3371086"/>
+              <a:ext cx="725213" cy="54000"/>
+            </a:xfrm>
+            <a:prstGeom prst="rect">
+              <a:avLst/>
+            </a:prstGeom>
+            <a:solidFill>
+              <a:schemeClr val="tx1">
+                <a:lumMod val="65000"/>
+                <a:lumOff val="35000"/>
+              </a:schemeClr>
+            </a:solidFill>
+            <a:ln w="28575">
+              <a:solidFill>
+                <a:schemeClr val="tx1"/>
+              </a:solidFill>
+            </a:ln>
+          </p:spPr>
+          <p:style>
+            <a:lnRef idx="2">
+              <a:schemeClr val="accent1">
+                <a:shade val="50000"/>
+              </a:schemeClr>
+            </a:lnRef>
+            <a:fillRef idx="1">
+              <a:schemeClr val="accent1"/>
+            </a:fillRef>
+            <a:effectRef idx="0">
+              <a:schemeClr val="accent1"/>
+            </a:effectRef>
+            <a:fontRef idx="minor">
+              <a:schemeClr val="lt1"/>
+            </a:fontRef>
+          </p:style>
+          <p:txBody>
+            <a:bodyPr rtlCol="0" anchor="ctr"/>
+            <a:lstStyle/>
+            <a:p>
+              <a:pPr algn="ctr"/>
+              <a:endParaRPr lang="en-GB"/>
+            </a:p>
+          </p:txBody>
+        </p:sp>
+        <p:grpSp>
+          <p:nvGrpSpPr>
+            <p:cNvPr id="16" name="Group 15"/>
+            <p:cNvGrpSpPr/>
+            <p:nvPr/>
+          </p:nvGrpSpPr>
+          <p:grpSpPr>
+            <a:xfrm>
+              <a:off x="4157636" y="2596661"/>
+              <a:ext cx="658351" cy="662629"/>
+              <a:chOff x="4157636" y="2626351"/>
+              <a:chExt cx="658351" cy="662629"/>
+            </a:xfrm>
+          </p:grpSpPr>
+          <p:grpSp>
+            <p:nvGrpSpPr>
+              <p:cNvPr id="17" name="Group 16"/>
+              <p:cNvGrpSpPr/>
+              <p:nvPr/>
+            </p:nvGrpSpPr>
+            <p:grpSpPr>
+              <a:xfrm>
+                <a:off x="4247629" y="2626351"/>
+                <a:ext cx="492538" cy="662629"/>
+                <a:chOff x="2743200" y="1192804"/>
+                <a:chExt cx="1183341" cy="1496608"/>
+              </a:xfrm>
+            </p:grpSpPr>
+            <p:sp>
+              <p:nvSpPr>
+                <p:cNvPr id="20" name="Rectangle 19"/>
+                <p:cNvSpPr/>
+                <p:nvPr/>
+              </p:nvSpPr>
+              <p:spPr>
+                <a:xfrm>
+                  <a:off x="2743200" y="1506071"/>
+                  <a:ext cx="1183341" cy="1183341"/>
+                </a:xfrm>
+                <a:prstGeom prst="rect">
+                  <a:avLst/>
+                </a:prstGeom>
+                <a:ln w="31750"/>
+              </p:spPr>
+              <p:style>
+                <a:lnRef idx="2">
+                  <a:schemeClr val="dk1"/>
+                </a:lnRef>
+                <a:fillRef idx="1">
+                  <a:schemeClr val="lt1"/>
+                </a:fillRef>
+                <a:effectRef idx="0">
+                  <a:schemeClr val="dk1"/>
+                </a:effectRef>
+                <a:fontRef idx="minor">
+                  <a:schemeClr val="dk1"/>
+                </a:fontRef>
+              </p:style>
+              <p:txBody>
+                <a:bodyPr rtlCol="0" anchor="ctr"/>
+                <a:lstStyle/>
+                <a:p>
+                  <a:pPr algn="ctr"/>
+                  <a:endParaRPr lang="en-GB"/>
+                </a:p>
+              </p:txBody>
+            </p:sp>
+            <p:sp>
+              <p:nvSpPr>
+                <p:cNvPr id="21" name="Rectangle 20"/>
+                <p:cNvSpPr/>
+                <p:nvPr/>
+              </p:nvSpPr>
+              <p:spPr>
+                <a:xfrm>
+                  <a:off x="2785384" y="1192804"/>
+                  <a:ext cx="1107089" cy="626533"/>
+                </a:xfrm>
+                <a:prstGeom prst="rect">
+                  <a:avLst/>
+                </a:prstGeom>
+                <a:solidFill>
+                  <a:schemeClr val="bg1"/>
+                </a:solidFill>
+                <a:ln>
+                  <a:noFill/>
+                </a:ln>
+              </p:spPr>
+              <p:style>
+                <a:lnRef idx="2">
+                  <a:schemeClr val="accent1">
+                    <a:shade val="50000"/>
+                  </a:schemeClr>
+                </a:lnRef>
+                <a:fillRef idx="1">
+                  <a:schemeClr val="accent1"/>
+                </a:fillRef>
+                <a:effectRef idx="0">
+                  <a:schemeClr val="accent1"/>
+                </a:effectRef>
+                <a:fontRef idx="minor">
+                  <a:schemeClr val="lt1"/>
+                </a:fontRef>
+              </p:style>
+              <p:txBody>
+                <a:bodyPr rtlCol="0" anchor="ctr"/>
+                <a:lstStyle/>
+                <a:p>
+                  <a:pPr algn="ctr"/>
+                  <a:endParaRPr lang="en-GB"/>
+                </a:p>
+              </p:txBody>
+            </p:sp>
+          </p:grpSp>
+          <p:cxnSp>
+            <p:nvCxnSpPr>
+              <p:cNvPr id="18" name="Straight Connector 17"/>
+              <p:cNvCxnSpPr/>
+              <p:nvPr/>
+            </p:nvCxnSpPr>
+            <p:spPr>
+              <a:xfrm>
+                <a:off x="4157636" y="2765051"/>
+                <a:ext cx="90000" cy="0"/>
+              </a:xfrm>
+              <a:prstGeom prst="line">
+                <a:avLst/>
+              </a:prstGeom>
+              <a:ln w="31750">
+                <a:solidFill>
+                  <a:schemeClr val="tx1"/>
+                </a:solidFill>
+              </a:ln>
+            </p:spPr>
+            <p:style>
+              <a:lnRef idx="1">
+                <a:schemeClr val="accent1"/>
+              </a:lnRef>
+              <a:fillRef idx="0">
+                <a:schemeClr val="accent1"/>
+              </a:fillRef>
+              <a:effectRef idx="0">
+                <a:schemeClr val="accent1"/>
+              </a:effectRef>
+              <a:fontRef idx="minor">
+                <a:schemeClr val="tx1"/>
+              </a:fontRef>
+            </p:style>
+          </p:cxnSp>
+          <p:cxnSp>
+            <p:nvCxnSpPr>
+              <p:cNvPr id="19" name="Straight Connector 18"/>
+              <p:cNvCxnSpPr/>
+              <p:nvPr/>
+            </p:nvCxnSpPr>
+            <p:spPr>
+              <a:xfrm>
+                <a:off x="4725987" y="2765051"/>
+                <a:ext cx="90000" cy="0"/>
+              </a:xfrm>
+              <a:prstGeom prst="line">
+                <a:avLst/>
+              </a:prstGeom>
+              <a:ln w="31750">
+                <a:solidFill>
+                  <a:schemeClr val="tx1"/>
+                </a:solidFill>
+              </a:ln>
+            </p:spPr>
+            <p:style>
+              <a:lnRef idx="1">
+                <a:schemeClr val="accent1"/>
+              </a:lnRef>
+              <a:fillRef idx="0">
+                <a:schemeClr val="accent1"/>
+              </a:fillRef>
+              <a:effectRef idx="0">
+                <a:schemeClr val="accent1"/>
+              </a:effectRef>
+              <a:fontRef idx="minor">
+                <a:schemeClr val="tx1"/>
+              </a:fontRef>
+            </p:style>
+          </p:cxnSp>
+        </p:grpSp>
+        <p:cxnSp>
+          <p:nvCxnSpPr>
+            <p:cNvPr id="22" name="Straight Arrow Connector 21"/>
+            <p:cNvCxnSpPr/>
+            <p:nvPr/>
+          </p:nvCxnSpPr>
+          <p:spPr>
+            <a:xfrm flipV="1">
+              <a:off x="3291936" y="3484585"/>
+              <a:ext cx="0" cy="293331"/>
+            </a:xfrm>
+            <a:prstGeom prst="straightConnector1">
+              <a:avLst/>
+            </a:prstGeom>
+            <a:ln w="34925">
+              <a:solidFill>
+                <a:schemeClr val="bg1">
+                  <a:lumMod val="75000"/>
+                </a:schemeClr>
+              </a:solidFill>
+              <a:tailEnd type="triangle"/>
+            </a:ln>
+          </p:spPr>
+          <p:style>
+            <a:lnRef idx="1">
+              <a:schemeClr val="accent1"/>
+            </a:lnRef>
+            <a:fillRef idx="0">
+              <a:schemeClr val="accent1"/>
+            </a:fillRef>
+            <a:effectRef idx="0">
+              <a:schemeClr val="accent1"/>
+            </a:effectRef>
+            <a:fontRef idx="minor">
+              <a:schemeClr val="tx1"/>
+            </a:fontRef>
+          </p:style>
+        </p:cxnSp>
+        <p:cxnSp>
+          <p:nvCxnSpPr>
+            <p:cNvPr id="23" name="Straight Arrow Connector 22"/>
+            <p:cNvCxnSpPr/>
+            <p:nvPr/>
+          </p:nvCxnSpPr>
+          <p:spPr>
+            <a:xfrm flipV="1">
+              <a:off x="4493897" y="3484584"/>
+              <a:ext cx="0" cy="293331"/>
+            </a:xfrm>
+            <a:prstGeom prst="straightConnector1">
+              <a:avLst/>
+            </a:prstGeom>
+            <a:ln w="34925">
+              <a:solidFill>
+                <a:schemeClr val="bg1">
+                  <a:lumMod val="75000"/>
+                </a:schemeClr>
+              </a:solidFill>
+              <a:tailEnd type="triangle"/>
+            </a:ln>
+          </p:spPr>
+          <p:style>
+            <a:lnRef idx="1">
+              <a:schemeClr val="accent1"/>
+            </a:lnRef>
+            <a:fillRef idx="0">
+              <a:schemeClr val="accent1"/>
+            </a:fillRef>
+            <a:effectRef idx="0">
+              <a:schemeClr val="accent1"/>
+            </a:effectRef>
+            <a:fontRef idx="minor">
+              <a:schemeClr val="tx1"/>
+            </a:fontRef>
+          </p:style>
+        </p:cxnSp>
+        <p:sp>
+          <p:nvSpPr>
+            <p:cNvPr id="24" name="TextBox 23"/>
+            <p:cNvSpPr txBox="1"/>
+            <p:nvPr/>
+          </p:nvSpPr>
+          <p:spPr>
+            <a:xfrm>
+              <a:off x="3706835" y="3786342"/>
+              <a:ext cx="1574124" cy="646331"/>
+            </a:xfrm>
+            <a:prstGeom prst="rect">
+              <a:avLst/>
+            </a:prstGeom>
+            <a:noFill/>
+          </p:spPr>
+          <p:txBody>
+            <a:bodyPr wrap="square" rtlCol="0">
+              <a:spAutoFit/>
+            </a:bodyPr>
+            <a:lstStyle/>
+            <a:p>
+              <a:pPr algn="ctr"/>
+              <a:r>
+                <a:rPr lang="en-GB" dirty="0" smtClean="0">
+                  <a:latin typeface="CMU Serif Roman" charset="0"/>
+                  <a:ea typeface="CMU Serif Roman" charset="0"/>
+                  <a:cs typeface="CMU Serif Roman" charset="0"/>
+                </a:rPr>
+                <a:t>Electric</a:t>
+              </a:r>
+              <a:endParaRPr lang="en-GB" dirty="0" smtClean="0">
+                <a:latin typeface="CMU Serif Roman" charset="0"/>
+                <a:ea typeface="CMU Serif Roman" charset="0"/>
+                <a:cs typeface="CMU Serif Roman" charset="0"/>
+              </a:endParaRPr>
+            </a:p>
+            <a:p>
+              <a:pPr algn="ctr"/>
+              <a:r>
+                <a:rPr lang="en-GB" dirty="0" smtClean="0">
+                  <a:latin typeface="CMU Serif Roman" charset="0"/>
+                  <a:ea typeface="CMU Serif Roman" charset="0"/>
+                  <a:cs typeface="CMU Serif Roman" charset="0"/>
+                </a:rPr>
+                <a:t>Scales</a:t>
+              </a:r>
+              <a:endParaRPr lang="en-GB" dirty="0">
+                <a:latin typeface="CMU Serif Roman" charset="0"/>
+                <a:ea typeface="CMU Serif Roman" charset="0"/>
+                <a:cs typeface="CMU Serif Roman" charset="0"/>
+              </a:endParaRPr>
+            </a:p>
+          </p:txBody>
+        </p:sp>
+        <p:sp>
+          <p:nvSpPr>
+            <p:cNvPr id="25" name="TextBox 24"/>
+            <p:cNvSpPr txBox="1"/>
+            <p:nvPr/>
+          </p:nvSpPr>
+          <p:spPr>
+            <a:xfrm>
+              <a:off x="2504874" y="3786972"/>
+              <a:ext cx="1574124" cy="646331"/>
+            </a:xfrm>
+            <a:prstGeom prst="rect">
+              <a:avLst/>
+            </a:prstGeom>
+            <a:noFill/>
+          </p:spPr>
+          <p:txBody>
+            <a:bodyPr wrap="square" rtlCol="0">
+              <a:spAutoFit/>
+            </a:bodyPr>
+            <a:lstStyle/>
+            <a:p>
+              <a:pPr algn="ctr"/>
+              <a:r>
+                <a:rPr lang="en-GB" dirty="0" smtClean="0">
+                  <a:latin typeface="CMU Serif Roman" charset="0"/>
+                  <a:ea typeface="CMU Serif Roman" charset="0"/>
+                  <a:cs typeface="CMU Serif Roman" charset="0"/>
+                </a:rPr>
+                <a:t>Adjustable</a:t>
+              </a:r>
+              <a:endParaRPr lang="en-GB" dirty="0" smtClean="0">
+                <a:latin typeface="CMU Serif Roman" charset="0"/>
+                <a:ea typeface="CMU Serif Roman" charset="0"/>
+                <a:cs typeface="CMU Serif Roman" charset="0"/>
+              </a:endParaRPr>
+            </a:p>
+            <a:p>
+              <a:pPr algn="ctr"/>
+              <a:r>
+                <a:rPr lang="en-GB" dirty="0" smtClean="0">
+                  <a:latin typeface="CMU Serif Roman" charset="0"/>
+                  <a:ea typeface="CMU Serif Roman" charset="0"/>
+                  <a:cs typeface="CMU Serif Roman" charset="0"/>
+                </a:rPr>
+                <a:t>Platform</a:t>
+              </a:r>
+              <a:endParaRPr lang="en-GB" dirty="0">
+                <a:latin typeface="CMU Serif Roman" charset="0"/>
+                <a:ea typeface="CMU Serif Roman" charset="0"/>
+                <a:cs typeface="CMU Serif Roman" charset="0"/>
+              </a:endParaRPr>
+            </a:p>
+          </p:txBody>
+        </p:sp>
+        <p:cxnSp>
+          <p:nvCxnSpPr>
+            <p:cNvPr id="26" name="Straight Arrow Connector 25"/>
+            <p:cNvCxnSpPr/>
+            <p:nvPr/>
+          </p:nvCxnSpPr>
+          <p:spPr>
+            <a:xfrm rot="10800000" flipV="1">
+              <a:off x="3279226" y="1704639"/>
+              <a:ext cx="0" cy="293331"/>
+            </a:xfrm>
+            <a:prstGeom prst="straightConnector1">
+              <a:avLst/>
+            </a:prstGeom>
+            <a:ln w="34925">
+              <a:solidFill>
+                <a:schemeClr val="bg1">
+                  <a:lumMod val="75000"/>
+                </a:schemeClr>
+              </a:solidFill>
+              <a:tailEnd type="triangle"/>
+            </a:ln>
+          </p:spPr>
+          <p:style>
+            <a:lnRef idx="1">
+              <a:schemeClr val="accent1"/>
+            </a:lnRef>
+            <a:fillRef idx="0">
+              <a:schemeClr val="accent1"/>
+            </a:fillRef>
+            <a:effectRef idx="0">
+              <a:schemeClr val="accent1"/>
+            </a:effectRef>
+            <a:fontRef idx="minor">
+              <a:schemeClr val="tx1"/>
+            </a:fontRef>
+          </p:style>
+        </p:cxnSp>
+        <p:sp>
+          <p:nvSpPr>
+            <p:cNvPr id="27" name="TextBox 26"/>
+            <p:cNvSpPr txBox="1"/>
+            <p:nvPr/>
+          </p:nvSpPr>
+          <p:spPr>
+            <a:xfrm>
+              <a:off x="2492163" y="1062247"/>
+              <a:ext cx="1574124" cy="646331"/>
+            </a:xfrm>
+            <a:prstGeom prst="rect">
+              <a:avLst/>
+            </a:prstGeom>
+            <a:noFill/>
+          </p:spPr>
+          <p:txBody>
+            <a:bodyPr wrap="square" rtlCol="0">
+              <a:spAutoFit/>
+            </a:bodyPr>
+            <a:lstStyle/>
+            <a:p>
+              <a:pPr algn="ctr"/>
+              <a:r>
+                <a:rPr lang="en-GB" dirty="0" smtClean="0">
+                  <a:latin typeface="CMU Serif Roman" charset="0"/>
+                  <a:ea typeface="CMU Serif Roman" charset="0"/>
+                  <a:cs typeface="CMU Serif Roman" charset="0"/>
+                </a:rPr>
+                <a:t>Water</a:t>
+              </a:r>
+              <a:r>
+                <a:rPr lang="en-GB" dirty="0">
+                  <a:latin typeface="CMU Serif Roman" charset="0"/>
+                  <a:ea typeface="CMU Serif Roman" charset="0"/>
+                  <a:cs typeface="CMU Serif Roman" charset="0"/>
+                </a:rPr>
+                <a:t> </a:t>
+              </a:r>
+              <a:endParaRPr lang="en-GB" dirty="0" smtClean="0">
+                <a:latin typeface="CMU Serif Roman" charset="0"/>
+                <a:ea typeface="CMU Serif Roman" charset="0"/>
+                <a:cs typeface="CMU Serif Roman" charset="0"/>
+              </a:endParaRPr>
+            </a:p>
+            <a:p>
+              <a:pPr algn="ctr"/>
+              <a:r>
+                <a:rPr lang="en-GB" dirty="0" smtClean="0">
+                  <a:latin typeface="CMU Serif Roman" charset="0"/>
+                  <a:ea typeface="CMU Serif Roman" charset="0"/>
+                  <a:cs typeface="CMU Serif Roman" charset="0"/>
+                </a:rPr>
+                <a:t>Tank</a:t>
+              </a:r>
+              <a:endParaRPr lang="en-GB" dirty="0">
+                <a:latin typeface="CMU Serif Roman" charset="0"/>
+                <a:ea typeface="CMU Serif Roman" charset="0"/>
+                <a:cs typeface="CMU Serif Roman" charset="0"/>
+              </a:endParaRPr>
+            </a:p>
+          </p:txBody>
+        </p:sp>
+        <p:cxnSp>
+          <p:nvCxnSpPr>
+            <p:cNvPr id="28" name="Straight Arrow Connector 27"/>
+            <p:cNvCxnSpPr/>
+            <p:nvPr/>
+          </p:nvCxnSpPr>
+          <p:spPr>
+            <a:xfrm>
+              <a:off x="4247629" y="1708577"/>
+              <a:ext cx="0" cy="704282"/>
+            </a:xfrm>
+            <a:prstGeom prst="straightConnector1">
+              <a:avLst/>
+            </a:prstGeom>
+            <a:ln w="34925">
+              <a:solidFill>
+                <a:schemeClr val="bg1">
+                  <a:lumMod val="75000"/>
+                </a:schemeClr>
+              </a:solidFill>
+              <a:tailEnd type="triangle"/>
+            </a:ln>
+          </p:spPr>
+          <p:style>
+            <a:lnRef idx="1">
+              <a:schemeClr val="accent1"/>
+            </a:lnRef>
+            <a:fillRef idx="0">
+              <a:schemeClr val="accent1"/>
+            </a:fillRef>
+            <a:effectRef idx="0">
+              <a:schemeClr val="accent1"/>
+            </a:effectRef>
+            <a:fontRef idx="minor">
+              <a:schemeClr val="tx1"/>
+            </a:fontRef>
+          </p:style>
+        </p:cxnSp>
+        <p:sp>
+          <p:nvSpPr>
+            <p:cNvPr id="29" name="TextBox 28"/>
+            <p:cNvSpPr txBox="1"/>
+            <p:nvPr/>
+          </p:nvSpPr>
+          <p:spPr>
+            <a:xfrm>
+              <a:off x="3460567" y="1062246"/>
+              <a:ext cx="1574124" cy="646331"/>
+            </a:xfrm>
+            <a:prstGeom prst="rect">
+              <a:avLst/>
+            </a:prstGeom>
+            <a:noFill/>
+          </p:spPr>
+          <p:txBody>
+            <a:bodyPr wrap="square" rtlCol="0">
+              <a:spAutoFit/>
+            </a:bodyPr>
+            <a:lstStyle/>
+            <a:p>
+              <a:pPr algn="ctr"/>
+              <a:r>
+                <a:rPr lang="en-GB" smtClean="0">
+                  <a:latin typeface="CMU Serif Roman" charset="0"/>
+                  <a:ea typeface="CMU Serif Roman" charset="0"/>
+                  <a:cs typeface="CMU Serif Roman" charset="0"/>
+                </a:rPr>
+                <a:t>Capillary Tube</a:t>
+              </a:r>
+              <a:endParaRPr lang="en-GB" dirty="0">
+                <a:latin typeface="CMU Serif Roman" charset="0"/>
+                <a:ea typeface="CMU Serif Roman" charset="0"/>
+                <a:cs typeface="CMU Serif Roman" charset="0"/>
+              </a:endParaRPr>
+            </a:p>
+          </p:txBody>
+        </p:sp>
+        <p:cxnSp>
+          <p:nvCxnSpPr>
+            <p:cNvPr id="30" name="Straight Arrow Connector 29"/>
+            <p:cNvCxnSpPr/>
+            <p:nvPr/>
+          </p:nvCxnSpPr>
+          <p:spPr>
+            <a:xfrm>
+              <a:off x="4770987" y="2171908"/>
+              <a:ext cx="0" cy="520576"/>
+            </a:xfrm>
+            <a:prstGeom prst="straightConnector1">
+              <a:avLst/>
+            </a:prstGeom>
+            <a:ln w="34925">
+              <a:solidFill>
+                <a:schemeClr val="bg1">
+                  <a:lumMod val="75000"/>
+                </a:schemeClr>
+              </a:solidFill>
+              <a:tailEnd type="triangle"/>
+            </a:ln>
+          </p:spPr>
+          <p:style>
+            <a:lnRef idx="1">
+              <a:schemeClr val="accent1"/>
+            </a:lnRef>
+            <a:fillRef idx="0">
+              <a:schemeClr val="accent1"/>
+            </a:fillRef>
+            <a:effectRef idx="0">
+              <a:schemeClr val="accent1"/>
+            </a:effectRef>
+            <a:fontRef idx="minor">
+              <a:schemeClr val="tx1"/>
+            </a:fontRef>
+          </p:style>
+        </p:cxnSp>
+        <p:sp>
+          <p:nvSpPr>
+            <p:cNvPr id="31" name="TextBox 30"/>
+            <p:cNvSpPr txBox="1"/>
+            <p:nvPr/>
+          </p:nvSpPr>
+          <p:spPr>
+            <a:xfrm>
+              <a:off x="3983925" y="1817090"/>
+              <a:ext cx="1574124" cy="369332"/>
+            </a:xfrm>
+            <a:prstGeom prst="rect">
+              <a:avLst/>
+            </a:prstGeom>
+            <a:noFill/>
+          </p:spPr>
+          <p:txBody>
+            <a:bodyPr wrap="square" rtlCol="0">
+              <a:spAutoFit/>
+            </a:bodyPr>
+            <a:lstStyle/>
+            <a:p>
+              <a:pPr algn="ctr"/>
+              <a:r>
+                <a:rPr lang="en-GB" dirty="0" smtClean="0">
+                  <a:latin typeface="CMU Serif Roman" charset="0"/>
+                  <a:ea typeface="CMU Serif Roman" charset="0"/>
+                  <a:cs typeface="CMU Serif Roman" charset="0"/>
+                </a:rPr>
+                <a:t>Beaker</a:t>
+              </a:r>
+              <a:endParaRPr lang="en-GB" dirty="0">
+                <a:latin typeface="CMU Serif Roman" charset="0"/>
+                <a:ea typeface="CMU Serif Roman" charset="0"/>
+                <a:cs typeface="CMU Serif Roman" charset="0"/>
+              </a:endParaRPr>
+            </a:p>
+          </p:txBody>
+        </p:sp>
+        <p:sp>
+          <p:nvSpPr>
+            <p:cNvPr id="32" name="TextBox 31"/>
+            <p:cNvSpPr txBox="1"/>
+            <p:nvPr/>
+          </p:nvSpPr>
+          <p:spPr>
+            <a:xfrm>
+              <a:off x="4543131" y="1057307"/>
+              <a:ext cx="1574124" cy="646331"/>
+            </a:xfrm>
+            <a:prstGeom prst="rect">
+              <a:avLst/>
+            </a:prstGeom>
+            <a:noFill/>
+          </p:spPr>
+          <p:txBody>
+            <a:bodyPr wrap="square" rtlCol="0">
+              <a:spAutoFit/>
+            </a:bodyPr>
+            <a:lstStyle/>
+            <a:p>
+              <a:pPr algn="ctr"/>
+              <a:r>
+                <a:rPr lang="en-GB" dirty="0" smtClean="0">
+                  <a:latin typeface="CMU Serif Roman" charset="0"/>
+                  <a:ea typeface="CMU Serif Roman" charset="0"/>
+                  <a:cs typeface="CMU Serif Roman" charset="0"/>
+                </a:rPr>
+                <a:t>Measuring</a:t>
+              </a:r>
+              <a:endParaRPr lang="en-GB" dirty="0" smtClean="0">
+                <a:latin typeface="CMU Serif Roman" charset="0"/>
+                <a:ea typeface="CMU Serif Roman" charset="0"/>
+                <a:cs typeface="CMU Serif Roman" charset="0"/>
+              </a:endParaRPr>
+            </a:p>
+            <a:p>
+              <a:pPr algn="ctr"/>
+              <a:r>
+                <a:rPr lang="en-GB" dirty="0" smtClean="0">
+                  <a:latin typeface="CMU Serif Roman" charset="0"/>
+                  <a:ea typeface="CMU Serif Roman" charset="0"/>
+                  <a:cs typeface="CMU Serif Roman" charset="0"/>
+                </a:rPr>
+                <a:t>Cylinder</a:t>
+              </a:r>
+              <a:endParaRPr lang="en-GB" dirty="0">
+                <a:latin typeface="CMU Serif Roman" charset="0"/>
+                <a:ea typeface="CMU Serif Roman" charset="0"/>
+                <a:cs typeface="CMU Serif Roman" charset="0"/>
+              </a:endParaRPr>
+            </a:p>
+          </p:txBody>
+        </p:sp>
+        <p:cxnSp>
+          <p:nvCxnSpPr>
+            <p:cNvPr id="33" name="Straight Arrow Connector 32"/>
+            <p:cNvCxnSpPr/>
+            <p:nvPr/>
+          </p:nvCxnSpPr>
+          <p:spPr>
+            <a:xfrm>
+              <a:off x="5330193" y="1703638"/>
+              <a:ext cx="9642" cy="912397"/>
+            </a:xfrm>
+            <a:prstGeom prst="straightConnector1">
+              <a:avLst/>
+            </a:prstGeom>
+            <a:ln w="34925">
+              <a:solidFill>
+                <a:schemeClr val="bg1">
+                  <a:lumMod val="75000"/>
+                </a:schemeClr>
+              </a:solidFill>
+              <a:tailEnd type="triangle"/>
+            </a:ln>
+          </p:spPr>
+          <p:style>
+            <a:lnRef idx="1">
+              <a:schemeClr val="accent1"/>
+            </a:lnRef>
+            <a:fillRef idx="0">
+              <a:schemeClr val="accent1"/>
+            </a:fillRef>
+            <a:effectRef idx="0">
+              <a:schemeClr val="accent1"/>
+            </a:effectRef>
+            <a:fontRef idx="minor">
+              <a:schemeClr val="tx1"/>
+            </a:fontRef>
+          </p:style>
+        </p:cxnSp>
+      </p:grpSp>
+    </p:spTree>
+    <p:extLst>
+      <p:ext uri="{BB962C8B-B14F-4D97-AF65-F5344CB8AC3E}">
+        <p14:creationId xmlns:p14="http://schemas.microsoft.com/office/powerpoint/2010/main" val="2104108474"/>
       </p:ext>
     </p:extLst>
   </p:cSld>

--- a/lab_reports/viscosity_of_water/diagrams.pptx
+++ b/lab_reports/viscosity_of_water/diagrams.pptx
@@ -105,6 +105,11 @@
       </a:defRPr>
     </a:lvl9pPr>
   </p:defaultTextStyle>
+  <p:extLst>
+    <p:ext uri="{EFAFB233-063F-42B5-8137-9DF3F51BA10A}">
+      <p15:sldGuideLst xmlns:p15="http://schemas.microsoft.com/office/powerpoint/2012/main"/>
+    </p:ext>
+  </p:extLst>
 </p:presentation>
 </file>
 
@@ -239,7 +244,7 @@
           <a:p>
             <a:fld id="{76129D4D-EBFD-2F48-A9E9-1A2BB76490AF}" type="datetimeFigureOut">
               <a:rPr lang="en-GB" smtClean="0"/>
-              <a:t>01/12/2016</a:t>
+              <a:t>03/12/2016</a:t>
             </a:fld>
             <a:endParaRPr lang="en-GB"/>
           </a:p>
@@ -409,7 +414,7 @@
           <a:p>
             <a:fld id="{76129D4D-EBFD-2F48-A9E9-1A2BB76490AF}" type="datetimeFigureOut">
               <a:rPr lang="en-GB" smtClean="0"/>
-              <a:t>01/12/2016</a:t>
+              <a:t>03/12/2016</a:t>
             </a:fld>
             <a:endParaRPr lang="en-GB"/>
           </a:p>
@@ -589,7 +594,7 @@
           <a:p>
             <a:fld id="{76129D4D-EBFD-2F48-A9E9-1A2BB76490AF}" type="datetimeFigureOut">
               <a:rPr lang="en-GB" smtClean="0"/>
-              <a:t>01/12/2016</a:t>
+              <a:t>03/12/2016</a:t>
             </a:fld>
             <a:endParaRPr lang="en-GB"/>
           </a:p>
@@ -759,7 +764,7 @@
           <a:p>
             <a:fld id="{76129D4D-EBFD-2F48-A9E9-1A2BB76490AF}" type="datetimeFigureOut">
               <a:rPr lang="en-GB" smtClean="0"/>
-              <a:t>01/12/2016</a:t>
+              <a:t>03/12/2016</a:t>
             </a:fld>
             <a:endParaRPr lang="en-GB"/>
           </a:p>
@@ -1005,7 +1010,7 @@
           <a:p>
             <a:fld id="{76129D4D-EBFD-2F48-A9E9-1A2BB76490AF}" type="datetimeFigureOut">
               <a:rPr lang="en-GB" smtClean="0"/>
-              <a:t>01/12/2016</a:t>
+              <a:t>03/12/2016</a:t>
             </a:fld>
             <a:endParaRPr lang="en-GB"/>
           </a:p>
@@ -1237,7 +1242,7 @@
           <a:p>
             <a:fld id="{76129D4D-EBFD-2F48-A9E9-1A2BB76490AF}" type="datetimeFigureOut">
               <a:rPr lang="en-GB" smtClean="0"/>
-              <a:t>01/12/2016</a:t>
+              <a:t>03/12/2016</a:t>
             </a:fld>
             <a:endParaRPr lang="en-GB"/>
           </a:p>
@@ -1604,7 +1609,7 @@
           <a:p>
             <a:fld id="{76129D4D-EBFD-2F48-A9E9-1A2BB76490AF}" type="datetimeFigureOut">
               <a:rPr lang="en-GB" smtClean="0"/>
-              <a:t>01/12/2016</a:t>
+              <a:t>03/12/2016</a:t>
             </a:fld>
             <a:endParaRPr lang="en-GB"/>
           </a:p>
@@ -1722,7 +1727,7 @@
           <a:p>
             <a:fld id="{76129D4D-EBFD-2F48-A9E9-1A2BB76490AF}" type="datetimeFigureOut">
               <a:rPr lang="en-GB" smtClean="0"/>
-              <a:t>01/12/2016</a:t>
+              <a:t>03/12/2016</a:t>
             </a:fld>
             <a:endParaRPr lang="en-GB"/>
           </a:p>
@@ -1817,7 +1822,7 @@
           <a:p>
             <a:fld id="{76129D4D-EBFD-2F48-A9E9-1A2BB76490AF}" type="datetimeFigureOut">
               <a:rPr lang="en-GB" smtClean="0"/>
-              <a:t>01/12/2016</a:t>
+              <a:t>03/12/2016</a:t>
             </a:fld>
             <a:endParaRPr lang="en-GB"/>
           </a:p>
@@ -2094,7 +2099,7 @@
           <a:p>
             <a:fld id="{76129D4D-EBFD-2F48-A9E9-1A2BB76490AF}" type="datetimeFigureOut">
               <a:rPr lang="en-GB" smtClean="0"/>
-              <a:t>01/12/2016</a:t>
+              <a:t>03/12/2016</a:t>
             </a:fld>
             <a:endParaRPr lang="en-GB"/>
           </a:p>
@@ -2347,7 +2352,7 @@
           <a:p>
             <a:fld id="{76129D4D-EBFD-2F48-A9E9-1A2BB76490AF}" type="datetimeFigureOut">
               <a:rPr lang="en-GB" smtClean="0"/>
-              <a:t>01/12/2016</a:t>
+              <a:t>03/12/2016</a:t>
             </a:fld>
             <a:endParaRPr lang="en-GB"/>
           </a:p>
@@ -2560,7 +2565,7 @@
           <a:p>
             <a:fld id="{76129D4D-EBFD-2F48-A9E9-1A2BB76490AF}" type="datetimeFigureOut">
               <a:rPr lang="en-GB" smtClean="0"/>
-              <a:t>01/12/2016</a:t>
+              <a:t>03/12/2016</a:t>
             </a:fld>
             <a:endParaRPr lang="en-GB"/>
           </a:p>
@@ -3073,15 +3078,16 @@
         </p:nvSpPr>
         <p:spPr>
           <a:xfrm>
-            <a:off x="3821441" y="2438400"/>
-            <a:ext cx="588309" cy="95250"/>
+            <a:off x="3677769" y="2438400"/>
+            <a:ext cx="698362" cy="66914"/>
           </a:xfrm>
           <a:prstGeom prst="rect">
             <a:avLst/>
           </a:prstGeom>
           <a:solidFill>
-            <a:schemeClr val="bg1">
-              <a:lumMod val="95000"/>
+            <a:schemeClr val="accent5">
+              <a:lumMod val="20000"/>
+              <a:lumOff val="80000"/>
             </a:schemeClr>
           </a:solidFill>
           <a:ln w="19050">
@@ -3123,7 +3129,7 @@
         </p:nvSpPr>
         <p:spPr>
           <a:xfrm>
-            <a:off x="4015677" y="3288980"/>
+            <a:off x="4103079" y="3288980"/>
             <a:ext cx="956441" cy="116372"/>
           </a:xfrm>
           <a:prstGeom prst="rect">
@@ -3173,7 +3179,7 @@
         </p:nvGrpSpPr>
         <p:grpSpPr>
           <a:xfrm>
-            <a:off x="5225733" y="2710432"/>
+            <a:off x="5658166" y="2710432"/>
             <a:ext cx="208921" cy="694920"/>
             <a:chOff x="5131782" y="2710432"/>
             <a:chExt cx="208921" cy="694920"/>
@@ -3437,191 +3443,6 @@
           </a:p>
         </p:txBody>
       </p:sp>
-      <p:grpSp>
-        <p:nvGrpSpPr>
-          <p:cNvPr id="38" name="Group 37"/>
-          <p:cNvGrpSpPr/>
-          <p:nvPr/>
-        </p:nvGrpSpPr>
-        <p:grpSpPr>
-          <a:xfrm>
-            <a:off x="4157636" y="2596661"/>
-            <a:ext cx="658351" cy="662629"/>
-            <a:chOff x="4157636" y="2626351"/>
-            <a:chExt cx="658351" cy="662629"/>
-          </a:xfrm>
-        </p:grpSpPr>
-        <p:grpSp>
-          <p:nvGrpSpPr>
-            <p:cNvPr id="11" name="Group 10"/>
-            <p:cNvGrpSpPr/>
-            <p:nvPr/>
-          </p:nvGrpSpPr>
-          <p:grpSpPr>
-            <a:xfrm>
-              <a:off x="4247629" y="2626351"/>
-              <a:ext cx="492538" cy="662629"/>
-              <a:chOff x="2743200" y="1192804"/>
-              <a:chExt cx="1183341" cy="1496608"/>
-            </a:xfrm>
-          </p:grpSpPr>
-          <p:sp>
-            <p:nvSpPr>
-              <p:cNvPr id="12" name="Rectangle 11"/>
-              <p:cNvSpPr/>
-              <p:nvPr/>
-            </p:nvSpPr>
-            <p:spPr>
-              <a:xfrm>
-                <a:off x="2743200" y="1506071"/>
-                <a:ext cx="1183341" cy="1183341"/>
-              </a:xfrm>
-              <a:prstGeom prst="rect">
-                <a:avLst/>
-              </a:prstGeom>
-              <a:ln w="31750"/>
-            </p:spPr>
-            <p:style>
-              <a:lnRef idx="2">
-                <a:schemeClr val="dk1"/>
-              </a:lnRef>
-              <a:fillRef idx="1">
-                <a:schemeClr val="lt1"/>
-              </a:fillRef>
-              <a:effectRef idx="0">
-                <a:schemeClr val="dk1"/>
-              </a:effectRef>
-              <a:fontRef idx="minor">
-                <a:schemeClr val="dk1"/>
-              </a:fontRef>
-            </p:style>
-            <p:txBody>
-              <a:bodyPr rtlCol="0" anchor="ctr"/>
-              <a:lstStyle/>
-              <a:p>
-                <a:pPr algn="ctr"/>
-                <a:endParaRPr lang="en-GB"/>
-              </a:p>
-            </p:txBody>
-          </p:sp>
-          <p:sp>
-            <p:nvSpPr>
-              <p:cNvPr id="13" name="Rectangle 12"/>
-              <p:cNvSpPr/>
-              <p:nvPr/>
-            </p:nvSpPr>
-            <p:spPr>
-              <a:xfrm>
-                <a:off x="2785384" y="1192804"/>
-                <a:ext cx="1107089" cy="626533"/>
-              </a:xfrm>
-              <a:prstGeom prst="rect">
-                <a:avLst/>
-              </a:prstGeom>
-              <a:solidFill>
-                <a:schemeClr val="bg1"/>
-              </a:solidFill>
-              <a:ln>
-                <a:noFill/>
-              </a:ln>
-            </p:spPr>
-            <p:style>
-              <a:lnRef idx="2">
-                <a:schemeClr val="accent1">
-                  <a:shade val="50000"/>
-                </a:schemeClr>
-              </a:lnRef>
-              <a:fillRef idx="1">
-                <a:schemeClr val="accent1"/>
-              </a:fillRef>
-              <a:effectRef idx="0">
-                <a:schemeClr val="accent1"/>
-              </a:effectRef>
-              <a:fontRef idx="minor">
-                <a:schemeClr val="lt1"/>
-              </a:fontRef>
-            </p:style>
-            <p:txBody>
-              <a:bodyPr rtlCol="0" anchor="ctr"/>
-              <a:lstStyle/>
-              <a:p>
-                <a:pPr algn="ctr"/>
-                <a:endParaRPr lang="en-GB"/>
-              </a:p>
-            </p:txBody>
-          </p:sp>
-        </p:grpSp>
-        <p:cxnSp>
-          <p:nvCxnSpPr>
-            <p:cNvPr id="36" name="Straight Connector 35"/>
-            <p:cNvCxnSpPr/>
-            <p:nvPr/>
-          </p:nvCxnSpPr>
-          <p:spPr>
-            <a:xfrm>
-              <a:off x="4157636" y="2765051"/>
-              <a:ext cx="90000" cy="0"/>
-            </a:xfrm>
-            <a:prstGeom prst="line">
-              <a:avLst/>
-            </a:prstGeom>
-            <a:ln w="31750">
-              <a:solidFill>
-                <a:schemeClr val="tx1"/>
-              </a:solidFill>
-            </a:ln>
-          </p:spPr>
-          <p:style>
-            <a:lnRef idx="1">
-              <a:schemeClr val="accent1"/>
-            </a:lnRef>
-            <a:fillRef idx="0">
-              <a:schemeClr val="accent1"/>
-            </a:fillRef>
-            <a:effectRef idx="0">
-              <a:schemeClr val="accent1"/>
-            </a:effectRef>
-            <a:fontRef idx="minor">
-              <a:schemeClr val="tx1"/>
-            </a:fontRef>
-          </p:style>
-        </p:cxnSp>
-        <p:cxnSp>
-          <p:nvCxnSpPr>
-            <p:cNvPr id="37" name="Straight Connector 36"/>
-            <p:cNvCxnSpPr/>
-            <p:nvPr/>
-          </p:nvCxnSpPr>
-          <p:spPr>
-            <a:xfrm>
-              <a:off x="4725987" y="2765051"/>
-              <a:ext cx="90000" cy="0"/>
-            </a:xfrm>
-            <a:prstGeom prst="line">
-              <a:avLst/>
-            </a:prstGeom>
-            <a:ln w="31750">
-              <a:solidFill>
-                <a:schemeClr val="tx1"/>
-              </a:solidFill>
-            </a:ln>
-          </p:spPr>
-          <p:style>
-            <a:lnRef idx="1">
-              <a:schemeClr val="accent1"/>
-            </a:lnRef>
-            <a:fillRef idx="0">
-              <a:schemeClr val="accent1"/>
-            </a:fillRef>
-            <a:effectRef idx="0">
-              <a:schemeClr val="accent1"/>
-            </a:effectRef>
-            <a:fontRef idx="minor">
-              <a:schemeClr val="tx1"/>
-            </a:fontRef>
-          </p:style>
-        </p:cxnSp>
-      </p:grpSp>
       <p:cxnSp>
         <p:nvCxnSpPr>
           <p:cNvPr id="39" name="Straight Arrow Connector 38"/>
@@ -3630,7 +3451,7 @@
         </p:nvCxnSpPr>
         <p:spPr>
           <a:xfrm flipV="1">
-            <a:off x="3291936" y="3484585"/>
+            <a:off x="3238928" y="3484585"/>
             <a:ext cx="0" cy="293331"/>
           </a:xfrm>
           <a:prstGeom prst="straightConnector1">
@@ -3668,7 +3489,7 @@
         </p:nvCxnSpPr>
         <p:spPr>
           <a:xfrm flipV="1">
-            <a:off x="4493897" y="3484584"/>
+            <a:off x="4581299" y="3484584"/>
             <a:ext cx="0" cy="293331"/>
           </a:xfrm>
           <a:prstGeom prst="straightConnector1">
@@ -3706,7 +3527,7 @@
         </p:nvSpPr>
         <p:spPr>
           <a:xfrm>
-            <a:off x="3706835" y="3786342"/>
+            <a:off x="3780789" y="3786342"/>
             <a:ext cx="1574124" cy="646331"/>
           </a:xfrm>
           <a:prstGeom prst="rect">
@@ -3729,11 +3550,6 @@
               </a:rPr>
               <a:t>Electric</a:t>
             </a:r>
-            <a:endParaRPr lang="en-GB" dirty="0" smtClean="0">
-              <a:latin typeface="CMU Serif Roman" charset="0"/>
-              <a:ea typeface="CMU Serif Roman" charset="0"/>
-              <a:cs typeface="CMU Serif Roman" charset="0"/>
-            </a:endParaRPr>
           </a:p>
           <a:p>
             <a:pPr algn="ctr"/>
@@ -3761,7 +3577,7 @@
         </p:nvSpPr>
         <p:spPr>
           <a:xfrm>
-            <a:off x="2504874" y="3786972"/>
+            <a:off x="2451866" y="3786972"/>
             <a:ext cx="1574124" cy="646331"/>
           </a:xfrm>
           <a:prstGeom prst="rect">
@@ -3784,11 +3600,6 @@
               </a:rPr>
               <a:t>Adjustable</a:t>
             </a:r>
-            <a:endParaRPr lang="en-GB" dirty="0" smtClean="0">
-              <a:latin typeface="CMU Serif Roman" charset="0"/>
-              <a:ea typeface="CMU Serif Roman" charset="0"/>
-              <a:cs typeface="CMU Serif Roman" charset="0"/>
-            </a:endParaRPr>
           </a:p>
           <a:p>
             <a:pPr algn="ctr"/>
@@ -3816,7 +3627,7 @@
         </p:nvCxnSpPr>
         <p:spPr>
           <a:xfrm rot="10800000" flipV="1">
-            <a:off x="3279226" y="1704639"/>
+            <a:off x="3226218" y="1704639"/>
             <a:ext cx="0" cy="293331"/>
           </a:xfrm>
           <a:prstGeom prst="straightConnector1">
@@ -3854,7 +3665,7 @@
         </p:nvSpPr>
         <p:spPr>
           <a:xfrm>
-            <a:off x="2492163" y="1062247"/>
+            <a:off x="2439155" y="1062247"/>
             <a:ext cx="1574124" cy="646331"/>
           </a:xfrm>
           <a:prstGeom prst="rect">
@@ -3996,7 +3807,7 @@
         </p:nvCxnSpPr>
         <p:spPr>
           <a:xfrm>
-            <a:off x="4770987" y="2171908"/>
+            <a:off x="4858389" y="2171908"/>
             <a:ext cx="0" cy="520576"/>
           </a:xfrm>
           <a:prstGeom prst="straightConnector1">
@@ -4034,7 +3845,7 @@
         </p:nvSpPr>
         <p:spPr>
           <a:xfrm>
-            <a:off x="3983925" y="1817090"/>
+            <a:off x="4071327" y="1817090"/>
             <a:ext cx="1574124" cy="369332"/>
           </a:xfrm>
           <a:prstGeom prst="rect">
@@ -4073,7 +3884,7 @@
         </p:nvSpPr>
         <p:spPr>
           <a:xfrm>
-            <a:off x="4543131" y="1057307"/>
+            <a:off x="4975564" y="1057307"/>
             <a:ext cx="1574124" cy="646331"/>
           </a:xfrm>
           <a:prstGeom prst="rect">
@@ -4096,11 +3907,6 @@
               </a:rPr>
               <a:t>Measuring</a:t>
             </a:r>
-            <a:endParaRPr lang="en-GB" dirty="0" smtClean="0">
-              <a:latin typeface="CMU Serif Roman" charset="0"/>
-              <a:ea typeface="CMU Serif Roman" charset="0"/>
-              <a:cs typeface="CMU Serif Roman" charset="0"/>
-            </a:endParaRPr>
           </a:p>
           <a:p>
             <a:pPr algn="ctr"/>
@@ -4130,7 +3936,7 @@
         </p:nvCxnSpPr>
         <p:spPr>
           <a:xfrm>
-            <a:off x="5330193" y="1703638"/>
+            <a:off x="5762626" y="1703638"/>
             <a:ext cx="9642" cy="912397"/>
           </a:xfrm>
           <a:prstGeom prst="straightConnector1">
@@ -4160,6 +3966,922 @@
           </a:fontRef>
         </p:style>
       </p:cxnSp>
+      <p:grpSp>
+        <p:nvGrpSpPr>
+          <p:cNvPr id="3" name="Group 2"/>
+          <p:cNvGrpSpPr/>
+          <p:nvPr/>
+        </p:nvGrpSpPr>
+        <p:grpSpPr>
+          <a:xfrm>
+            <a:off x="4245038" y="2596661"/>
+            <a:ext cx="658351" cy="662629"/>
+            <a:chOff x="4157636" y="2596661"/>
+            <a:chExt cx="658351" cy="662629"/>
+          </a:xfrm>
+        </p:grpSpPr>
+        <p:grpSp>
+          <p:nvGrpSpPr>
+            <p:cNvPr id="38" name="Group 37"/>
+            <p:cNvGrpSpPr/>
+            <p:nvPr/>
+          </p:nvGrpSpPr>
+          <p:grpSpPr>
+            <a:xfrm>
+              <a:off x="4157636" y="2596661"/>
+              <a:ext cx="658351" cy="662629"/>
+              <a:chOff x="4157636" y="2626351"/>
+              <a:chExt cx="658351" cy="662629"/>
+            </a:xfrm>
+          </p:grpSpPr>
+          <p:grpSp>
+            <p:nvGrpSpPr>
+              <p:cNvPr id="11" name="Group 10"/>
+              <p:cNvGrpSpPr/>
+              <p:nvPr/>
+            </p:nvGrpSpPr>
+            <p:grpSpPr>
+              <a:xfrm>
+                <a:off x="4247629" y="2626351"/>
+                <a:ext cx="492538" cy="662629"/>
+                <a:chOff x="2743200" y="1192804"/>
+                <a:chExt cx="1183341" cy="1496608"/>
+              </a:xfrm>
+            </p:grpSpPr>
+            <p:sp>
+              <p:nvSpPr>
+                <p:cNvPr id="12" name="Rectangle 11"/>
+                <p:cNvSpPr/>
+                <p:nvPr/>
+              </p:nvSpPr>
+              <p:spPr>
+                <a:xfrm>
+                  <a:off x="2743200" y="1506071"/>
+                  <a:ext cx="1183341" cy="1183341"/>
+                </a:xfrm>
+                <a:prstGeom prst="rect">
+                  <a:avLst/>
+                </a:prstGeom>
+                <a:ln w="31750"/>
+              </p:spPr>
+              <p:style>
+                <a:lnRef idx="2">
+                  <a:schemeClr val="dk1"/>
+                </a:lnRef>
+                <a:fillRef idx="1">
+                  <a:schemeClr val="lt1"/>
+                </a:fillRef>
+                <a:effectRef idx="0">
+                  <a:schemeClr val="dk1"/>
+                </a:effectRef>
+                <a:fontRef idx="minor">
+                  <a:schemeClr val="dk1"/>
+                </a:fontRef>
+              </p:style>
+              <p:txBody>
+                <a:bodyPr rtlCol="0" anchor="ctr"/>
+                <a:lstStyle/>
+                <a:p>
+                  <a:pPr algn="ctr"/>
+                  <a:endParaRPr lang="en-GB"/>
+                </a:p>
+              </p:txBody>
+            </p:sp>
+            <p:sp>
+              <p:nvSpPr>
+                <p:cNvPr id="13" name="Rectangle 12"/>
+                <p:cNvSpPr/>
+                <p:nvPr/>
+              </p:nvSpPr>
+              <p:spPr>
+                <a:xfrm>
+                  <a:off x="2801538" y="1192804"/>
+                  <a:ext cx="1098440" cy="626533"/>
+                </a:xfrm>
+                <a:prstGeom prst="rect">
+                  <a:avLst/>
+                </a:prstGeom>
+                <a:solidFill>
+                  <a:schemeClr val="bg1"/>
+                </a:solidFill>
+                <a:ln>
+                  <a:noFill/>
+                </a:ln>
+              </p:spPr>
+              <p:style>
+                <a:lnRef idx="2">
+                  <a:schemeClr val="accent1">
+                    <a:shade val="50000"/>
+                  </a:schemeClr>
+                </a:lnRef>
+                <a:fillRef idx="1">
+                  <a:schemeClr val="accent1"/>
+                </a:fillRef>
+                <a:effectRef idx="0">
+                  <a:schemeClr val="accent1"/>
+                </a:effectRef>
+                <a:fontRef idx="minor">
+                  <a:schemeClr val="lt1"/>
+                </a:fontRef>
+              </p:style>
+              <p:txBody>
+                <a:bodyPr rtlCol="0" anchor="ctr"/>
+                <a:lstStyle/>
+                <a:p>
+                  <a:pPr algn="ctr"/>
+                  <a:endParaRPr lang="en-GB"/>
+                </a:p>
+              </p:txBody>
+            </p:sp>
+          </p:grpSp>
+          <p:cxnSp>
+            <p:nvCxnSpPr>
+              <p:cNvPr id="36" name="Straight Connector 35"/>
+              <p:cNvCxnSpPr/>
+              <p:nvPr/>
+            </p:nvCxnSpPr>
+            <p:spPr>
+              <a:xfrm>
+                <a:off x="4157636" y="2765051"/>
+                <a:ext cx="90000" cy="0"/>
+              </a:xfrm>
+              <a:prstGeom prst="line">
+                <a:avLst/>
+              </a:prstGeom>
+              <a:ln w="31750">
+                <a:solidFill>
+                  <a:schemeClr val="tx1"/>
+                </a:solidFill>
+              </a:ln>
+            </p:spPr>
+            <p:style>
+              <a:lnRef idx="1">
+                <a:schemeClr val="accent1"/>
+              </a:lnRef>
+              <a:fillRef idx="0">
+                <a:schemeClr val="accent1"/>
+              </a:fillRef>
+              <a:effectRef idx="0">
+                <a:schemeClr val="accent1"/>
+              </a:effectRef>
+              <a:fontRef idx="minor">
+                <a:schemeClr val="tx1"/>
+              </a:fontRef>
+            </p:style>
+          </p:cxnSp>
+          <p:cxnSp>
+            <p:nvCxnSpPr>
+              <p:cNvPr id="37" name="Straight Connector 36"/>
+              <p:cNvCxnSpPr/>
+              <p:nvPr/>
+            </p:nvCxnSpPr>
+            <p:spPr>
+              <a:xfrm>
+                <a:off x="4725987" y="2765051"/>
+                <a:ext cx="90000" cy="0"/>
+              </a:xfrm>
+              <a:prstGeom prst="line">
+                <a:avLst/>
+              </a:prstGeom>
+              <a:ln w="31750">
+                <a:solidFill>
+                  <a:schemeClr val="tx1"/>
+                </a:solidFill>
+              </a:ln>
+            </p:spPr>
+            <p:style>
+              <a:lnRef idx="1">
+                <a:schemeClr val="accent1"/>
+              </a:lnRef>
+              <a:fillRef idx="0">
+                <a:schemeClr val="accent1"/>
+              </a:fillRef>
+              <a:effectRef idx="0">
+                <a:schemeClr val="accent1"/>
+              </a:effectRef>
+              <a:fontRef idx="minor">
+                <a:schemeClr val="tx1"/>
+              </a:fontRef>
+            </p:style>
+          </p:cxnSp>
+        </p:grpSp>
+        <p:sp>
+          <p:nvSpPr>
+            <p:cNvPr id="35" name="Rectangle 34"/>
+            <p:cNvSpPr/>
+            <p:nvPr/>
+          </p:nvSpPr>
+          <p:spPr>
+            <a:xfrm>
+              <a:off x="4259113" y="2969061"/>
+              <a:ext cx="457200" cy="277400"/>
+            </a:xfrm>
+            <a:prstGeom prst="rect">
+              <a:avLst/>
+            </a:prstGeom>
+            <a:solidFill>
+              <a:schemeClr val="accent5">
+                <a:lumMod val="20000"/>
+                <a:lumOff val="80000"/>
+              </a:schemeClr>
+            </a:solidFill>
+            <a:ln>
+              <a:noFill/>
+            </a:ln>
+          </p:spPr>
+          <p:style>
+            <a:lnRef idx="2">
+              <a:schemeClr val="accent1">
+                <a:shade val="50000"/>
+              </a:schemeClr>
+            </a:lnRef>
+            <a:fillRef idx="1">
+              <a:schemeClr val="accent1"/>
+            </a:fillRef>
+            <a:effectRef idx="0">
+              <a:schemeClr val="accent1"/>
+            </a:effectRef>
+            <a:fontRef idx="minor">
+              <a:schemeClr val="lt1"/>
+            </a:fontRef>
+          </p:style>
+          <p:txBody>
+            <a:bodyPr rtlCol="0" anchor="ctr"/>
+            <a:lstStyle/>
+            <a:p>
+              <a:pPr algn="ctr"/>
+              <a:endParaRPr lang="en-GB"/>
+            </a:p>
+          </p:txBody>
+        </p:sp>
+      </p:grpSp>
+      <p:sp>
+        <p:nvSpPr>
+          <p:cNvPr id="42" name="Right Brace 41"/>
+          <p:cNvSpPr/>
+          <p:nvPr/>
+        </p:nvSpPr>
+        <p:spPr>
+          <a:xfrm rot="10800000">
+            <a:off x="2542580" y="2206896"/>
+            <a:ext cx="128213" cy="481274"/>
+          </a:xfrm>
+          <a:prstGeom prst="rightBrace">
+            <a:avLst>
+              <a:gd name="adj1" fmla="val 0"/>
+              <a:gd name="adj2" fmla="val 51377"/>
+            </a:avLst>
+          </a:prstGeom>
+          <a:ln w="34925">
+            <a:solidFill>
+              <a:schemeClr val="bg1">
+                <a:lumMod val="85000"/>
+              </a:schemeClr>
+            </a:solidFill>
+          </a:ln>
+        </p:spPr>
+        <p:style>
+          <a:lnRef idx="1">
+            <a:schemeClr val="accent1"/>
+          </a:lnRef>
+          <a:fillRef idx="0">
+            <a:schemeClr val="accent1"/>
+          </a:fillRef>
+          <a:effectRef idx="0">
+            <a:schemeClr val="accent1"/>
+          </a:effectRef>
+          <a:fontRef idx="minor">
+            <a:schemeClr val="tx1"/>
+          </a:fontRef>
+        </p:style>
+        <p:txBody>
+          <a:bodyPr rtlCol="0" anchor="ctr"/>
+          <a:lstStyle/>
+          <a:p>
+            <a:pPr algn="ctr"/>
+            <a:endParaRPr lang="en-GB"/>
+          </a:p>
+        </p:txBody>
+      </p:sp>
+      <p:sp>
+        <p:nvSpPr>
+          <p:cNvPr id="47" name="TextBox 46"/>
+          <p:cNvSpPr txBox="1"/>
+          <p:nvPr/>
+        </p:nvSpPr>
+        <p:spPr>
+          <a:xfrm>
+            <a:off x="1639144" y="2250935"/>
+            <a:ext cx="1574124" cy="369332"/>
+          </a:xfrm>
+          <a:prstGeom prst="rect">
+            <a:avLst/>
+          </a:prstGeom>
+          <a:noFill/>
+        </p:spPr>
+        <p:txBody>
+          <a:bodyPr wrap="square" rtlCol="0">
+            <a:spAutoFit/>
+          </a:bodyPr>
+          <a:lstStyle/>
+          <a:p>
+            <a:pPr algn="ctr"/>
+            <a:r>
+              <a:rPr lang="en-GB" i="1" dirty="0" smtClean="0">
+                <a:solidFill>
+                  <a:schemeClr val="tx1">
+                    <a:lumMod val="50000"/>
+                    <a:lumOff val="50000"/>
+                  </a:schemeClr>
+                </a:solidFill>
+                <a:latin typeface="CMU Serif Roman" charset="0"/>
+                <a:ea typeface="CMU Serif Roman" charset="0"/>
+                <a:cs typeface="CMU Serif Roman" charset="0"/>
+              </a:rPr>
+              <a:t>h</a:t>
+            </a:r>
+            <a:endParaRPr lang="en-GB" i="1" dirty="0">
+              <a:solidFill>
+                <a:schemeClr val="tx1">
+                  <a:lumMod val="50000"/>
+                  <a:lumOff val="50000"/>
+                </a:schemeClr>
+              </a:solidFill>
+              <a:latin typeface="CMU Serif Roman" charset="0"/>
+              <a:ea typeface="CMU Serif Roman" charset="0"/>
+              <a:cs typeface="CMU Serif Roman" charset="0"/>
+            </a:endParaRPr>
+          </a:p>
+        </p:txBody>
+      </p:sp>
+      <p:sp>
+        <p:nvSpPr>
+          <p:cNvPr id="32" name="Rectangle 31"/>
+          <p:cNvSpPr/>
+          <p:nvPr/>
+        </p:nvSpPr>
+        <p:spPr>
+          <a:xfrm>
+            <a:off x="2760697" y="2206679"/>
+            <a:ext cx="1036800" cy="481492"/>
+          </a:xfrm>
+          <a:prstGeom prst="rect">
+            <a:avLst/>
+          </a:prstGeom>
+          <a:solidFill>
+            <a:schemeClr val="accent5">
+              <a:lumMod val="20000"/>
+              <a:lumOff val="80000"/>
+              <a:alpha val="85000"/>
+            </a:schemeClr>
+          </a:solidFill>
+          <a:ln>
+            <a:noFill/>
+          </a:ln>
+        </p:spPr>
+        <p:style>
+          <a:lnRef idx="2">
+            <a:schemeClr val="accent1">
+              <a:shade val="50000"/>
+            </a:schemeClr>
+          </a:lnRef>
+          <a:fillRef idx="1">
+            <a:schemeClr val="accent1"/>
+          </a:fillRef>
+          <a:effectRef idx="0">
+            <a:schemeClr val="accent1"/>
+          </a:effectRef>
+          <a:fontRef idx="minor">
+            <a:schemeClr val="lt1"/>
+          </a:fontRef>
+        </p:style>
+        <p:txBody>
+          <a:bodyPr rtlCol="0" anchor="ctr"/>
+          <a:lstStyle/>
+          <a:p>
+            <a:pPr algn="ctr"/>
+            <a:endParaRPr lang="en-GB"/>
+          </a:p>
+        </p:txBody>
+      </p:sp>
+      <p:sp>
+        <p:nvSpPr>
+          <p:cNvPr id="48" name="Right Brace 47"/>
+          <p:cNvSpPr/>
+          <p:nvPr/>
+        </p:nvSpPr>
+        <p:spPr>
+          <a:xfrm rot="5400000">
+            <a:off x="3896334" y="2329897"/>
+            <a:ext cx="250445" cy="670290"/>
+          </a:xfrm>
+          <a:prstGeom prst="rightBrace">
+            <a:avLst>
+              <a:gd name="adj1" fmla="val 0"/>
+              <a:gd name="adj2" fmla="val 51377"/>
+            </a:avLst>
+          </a:prstGeom>
+          <a:ln w="34925">
+            <a:solidFill>
+              <a:schemeClr val="bg1">
+                <a:lumMod val="85000"/>
+              </a:schemeClr>
+            </a:solidFill>
+          </a:ln>
+        </p:spPr>
+        <p:style>
+          <a:lnRef idx="1">
+            <a:schemeClr val="accent1"/>
+          </a:lnRef>
+          <a:fillRef idx="0">
+            <a:schemeClr val="accent1"/>
+          </a:fillRef>
+          <a:effectRef idx="0">
+            <a:schemeClr val="accent1"/>
+          </a:effectRef>
+          <a:fontRef idx="minor">
+            <a:schemeClr val="tx1"/>
+          </a:fontRef>
+        </p:style>
+        <p:txBody>
+          <a:bodyPr rtlCol="0" anchor="ctr"/>
+          <a:lstStyle/>
+          <a:p>
+            <a:pPr algn="ctr"/>
+            <a:endParaRPr lang="en-GB"/>
+          </a:p>
+        </p:txBody>
+      </p:sp>
+      <p:sp>
+        <p:nvSpPr>
+          <p:cNvPr id="51" name="TextBox 50"/>
+          <p:cNvSpPr txBox="1"/>
+          <p:nvPr/>
+        </p:nvSpPr>
+        <p:spPr>
+          <a:xfrm>
+            <a:off x="3248880" y="2779259"/>
+            <a:ext cx="1574124" cy="369332"/>
+          </a:xfrm>
+          <a:prstGeom prst="rect">
+            <a:avLst/>
+          </a:prstGeom>
+          <a:noFill/>
+        </p:spPr>
+        <p:txBody>
+          <a:bodyPr wrap="square" rtlCol="0">
+            <a:spAutoFit/>
+          </a:bodyPr>
+          <a:lstStyle/>
+          <a:p>
+            <a:pPr algn="ctr"/>
+            <a:r>
+              <a:rPr lang="en-GB" i="1" dirty="0" smtClean="0">
+                <a:solidFill>
+                  <a:schemeClr val="tx1">
+                    <a:lumMod val="50000"/>
+                    <a:lumOff val="50000"/>
+                  </a:schemeClr>
+                </a:solidFill>
+                <a:latin typeface="CMU Serif Roman" charset="0"/>
+                <a:ea typeface="CMU Serif Roman" charset="0"/>
+                <a:cs typeface="CMU Serif Roman" charset="0"/>
+              </a:rPr>
+              <a:t>L</a:t>
+            </a:r>
+            <a:endParaRPr lang="en-GB" i="1" dirty="0">
+              <a:solidFill>
+                <a:schemeClr val="tx1">
+                  <a:lumMod val="50000"/>
+                  <a:lumOff val="50000"/>
+                </a:schemeClr>
+              </a:solidFill>
+              <a:latin typeface="CMU Serif Roman" charset="0"/>
+              <a:ea typeface="CMU Serif Roman" charset="0"/>
+              <a:cs typeface="CMU Serif Roman" charset="0"/>
+            </a:endParaRPr>
+          </a:p>
+        </p:txBody>
+      </p:sp>
+      <p:cxnSp>
+        <p:nvCxnSpPr>
+          <p:cNvPr id="54" name="Straight Arrow Connector 53"/>
+          <p:cNvCxnSpPr/>
+          <p:nvPr/>
+        </p:nvCxnSpPr>
+        <p:spPr>
+          <a:xfrm>
+            <a:off x="4372991" y="2299447"/>
+            <a:ext cx="0" cy="132749"/>
+          </a:xfrm>
+          <a:prstGeom prst="straightConnector1">
+            <a:avLst/>
+          </a:prstGeom>
+          <a:ln w="12700">
+            <a:solidFill>
+              <a:schemeClr val="tx1">
+                <a:lumMod val="75000"/>
+                <a:lumOff val="25000"/>
+              </a:schemeClr>
+            </a:solidFill>
+            <a:tailEnd type="triangle" w="sm" len="med"/>
+          </a:ln>
+        </p:spPr>
+        <p:style>
+          <a:lnRef idx="1">
+            <a:schemeClr val="accent1"/>
+          </a:lnRef>
+          <a:fillRef idx="0">
+            <a:schemeClr val="accent1"/>
+          </a:fillRef>
+          <a:effectRef idx="0">
+            <a:schemeClr val="accent1"/>
+          </a:effectRef>
+          <a:fontRef idx="minor">
+            <a:schemeClr val="tx1"/>
+          </a:fontRef>
+        </p:style>
+      </p:cxnSp>
+      <p:cxnSp>
+        <p:nvCxnSpPr>
+          <p:cNvPr id="58" name="Straight Arrow Connector 57"/>
+          <p:cNvCxnSpPr/>
+          <p:nvPr/>
+        </p:nvCxnSpPr>
+        <p:spPr>
+          <a:xfrm rot="10800000">
+            <a:off x="4379715" y="2523562"/>
+            <a:ext cx="0" cy="132749"/>
+          </a:xfrm>
+          <a:prstGeom prst="straightConnector1">
+            <a:avLst/>
+          </a:prstGeom>
+          <a:ln w="12700">
+            <a:solidFill>
+              <a:schemeClr val="tx1">
+                <a:lumMod val="75000"/>
+                <a:lumOff val="25000"/>
+              </a:schemeClr>
+            </a:solidFill>
+            <a:tailEnd type="triangle" w="sm" len="med"/>
+          </a:ln>
+        </p:spPr>
+        <p:style>
+          <a:lnRef idx="1">
+            <a:schemeClr val="accent1"/>
+          </a:lnRef>
+          <a:fillRef idx="0">
+            <a:schemeClr val="accent1"/>
+          </a:fillRef>
+          <a:effectRef idx="0">
+            <a:schemeClr val="accent1"/>
+          </a:effectRef>
+          <a:fontRef idx="minor">
+            <a:schemeClr val="tx1"/>
+          </a:fontRef>
+        </p:style>
+      </p:cxnSp>
+      <p:sp>
+        <p:nvSpPr>
+          <p:cNvPr id="59" name="TextBox 58"/>
+          <p:cNvSpPr txBox="1"/>
+          <p:nvPr/>
+        </p:nvSpPr>
+        <p:spPr>
+          <a:xfrm>
+            <a:off x="3577014" y="1996584"/>
+            <a:ext cx="1574124" cy="369332"/>
+          </a:xfrm>
+          <a:prstGeom prst="rect">
+            <a:avLst/>
+          </a:prstGeom>
+          <a:noFill/>
+        </p:spPr>
+        <p:txBody>
+          <a:bodyPr wrap="square" rtlCol="0">
+            <a:spAutoFit/>
+          </a:bodyPr>
+          <a:lstStyle/>
+          <a:p>
+            <a:pPr algn="ctr"/>
+            <a:r>
+              <a:rPr lang="en-GB" i="1" dirty="0" smtClean="0">
+                <a:solidFill>
+                  <a:schemeClr val="tx1">
+                    <a:lumMod val="65000"/>
+                    <a:lumOff val="35000"/>
+                  </a:schemeClr>
+                </a:solidFill>
+                <a:latin typeface="CMU Serif Roman" charset="0"/>
+                <a:ea typeface="CMU Serif Roman" charset="0"/>
+                <a:cs typeface="CMU Serif Roman" charset="0"/>
+              </a:rPr>
+              <a:t>d</a:t>
+            </a:r>
+          </a:p>
+        </p:txBody>
+      </p:sp>
+      <p:sp>
+        <p:nvSpPr>
+          <p:cNvPr id="9" name="Oval 8"/>
+          <p:cNvSpPr/>
+          <p:nvPr/>
+        </p:nvSpPr>
+        <p:spPr>
+          <a:xfrm>
+            <a:off x="4457700" y="2539819"/>
+            <a:ext cx="45719" cy="50118"/>
+          </a:xfrm>
+          <a:prstGeom prst="ellipse">
+            <a:avLst/>
+          </a:prstGeom>
+          <a:solidFill>
+            <a:schemeClr val="accent5">
+              <a:lumMod val="20000"/>
+              <a:lumOff val="80000"/>
+            </a:schemeClr>
+          </a:solidFill>
+          <a:ln w="3175">
+            <a:solidFill>
+              <a:schemeClr val="bg1">
+                <a:lumMod val="85000"/>
+              </a:schemeClr>
+            </a:solidFill>
+          </a:ln>
+        </p:spPr>
+        <p:style>
+          <a:lnRef idx="2">
+            <a:schemeClr val="accent1">
+              <a:shade val="50000"/>
+            </a:schemeClr>
+          </a:lnRef>
+          <a:fillRef idx="1">
+            <a:schemeClr val="accent1"/>
+          </a:fillRef>
+          <a:effectRef idx="0">
+            <a:schemeClr val="accent1"/>
+          </a:effectRef>
+          <a:fontRef idx="minor">
+            <a:schemeClr val="lt1"/>
+          </a:fontRef>
+        </p:style>
+        <p:txBody>
+          <a:bodyPr rtlCol="0" anchor="ctr"/>
+          <a:lstStyle/>
+          <a:p>
+            <a:pPr algn="ctr"/>
+            <a:endParaRPr lang="en-GB"/>
+          </a:p>
+        </p:txBody>
+      </p:sp>
+      <p:sp>
+        <p:nvSpPr>
+          <p:cNvPr id="61" name="Oval 60"/>
+          <p:cNvSpPr/>
+          <p:nvPr/>
+        </p:nvSpPr>
+        <p:spPr>
+          <a:xfrm>
+            <a:off x="4522470" y="2638879"/>
+            <a:ext cx="45719" cy="50118"/>
+          </a:xfrm>
+          <a:prstGeom prst="ellipse">
+            <a:avLst/>
+          </a:prstGeom>
+          <a:solidFill>
+            <a:schemeClr val="accent5">
+              <a:lumMod val="20000"/>
+              <a:lumOff val="80000"/>
+            </a:schemeClr>
+          </a:solidFill>
+          <a:ln w="3175">
+            <a:solidFill>
+              <a:schemeClr val="bg1">
+                <a:lumMod val="85000"/>
+              </a:schemeClr>
+            </a:solidFill>
+          </a:ln>
+        </p:spPr>
+        <p:style>
+          <a:lnRef idx="2">
+            <a:schemeClr val="accent1">
+              <a:shade val="50000"/>
+            </a:schemeClr>
+          </a:lnRef>
+          <a:fillRef idx="1">
+            <a:schemeClr val="accent1"/>
+          </a:fillRef>
+          <a:effectRef idx="0">
+            <a:schemeClr val="accent1"/>
+          </a:effectRef>
+          <a:fontRef idx="minor">
+            <a:schemeClr val="lt1"/>
+          </a:fontRef>
+        </p:style>
+        <p:txBody>
+          <a:bodyPr rtlCol="0" anchor="ctr"/>
+          <a:lstStyle/>
+          <a:p>
+            <a:pPr algn="ctr"/>
+            <a:endParaRPr lang="en-GB"/>
+          </a:p>
+        </p:txBody>
+      </p:sp>
+      <p:sp>
+        <p:nvSpPr>
+          <p:cNvPr id="62" name="Oval 61"/>
+          <p:cNvSpPr/>
+          <p:nvPr/>
+        </p:nvSpPr>
+        <p:spPr>
+          <a:xfrm>
+            <a:off x="4564380" y="2749369"/>
+            <a:ext cx="45719" cy="50118"/>
+          </a:xfrm>
+          <a:prstGeom prst="ellipse">
+            <a:avLst/>
+          </a:prstGeom>
+          <a:solidFill>
+            <a:schemeClr val="accent5">
+              <a:lumMod val="20000"/>
+              <a:lumOff val="80000"/>
+            </a:schemeClr>
+          </a:solidFill>
+          <a:ln w="3175">
+            <a:solidFill>
+              <a:schemeClr val="bg1">
+                <a:lumMod val="85000"/>
+              </a:schemeClr>
+            </a:solidFill>
+          </a:ln>
+        </p:spPr>
+        <p:style>
+          <a:lnRef idx="2">
+            <a:schemeClr val="accent1">
+              <a:shade val="50000"/>
+            </a:schemeClr>
+          </a:lnRef>
+          <a:fillRef idx="1">
+            <a:schemeClr val="accent1"/>
+          </a:fillRef>
+          <a:effectRef idx="0">
+            <a:schemeClr val="accent1"/>
+          </a:effectRef>
+          <a:fontRef idx="minor">
+            <a:schemeClr val="lt1"/>
+          </a:fontRef>
+        </p:style>
+        <p:txBody>
+          <a:bodyPr rtlCol="0" anchor="ctr"/>
+          <a:lstStyle/>
+          <a:p>
+            <a:pPr algn="ctr"/>
+            <a:endParaRPr lang="en-GB"/>
+          </a:p>
+        </p:txBody>
+      </p:sp>
+      <p:sp>
+        <p:nvSpPr>
+          <p:cNvPr id="63" name="Oval 62"/>
+          <p:cNvSpPr/>
+          <p:nvPr/>
+        </p:nvSpPr>
+        <p:spPr>
+          <a:xfrm>
+            <a:off x="4613910" y="2852239"/>
+            <a:ext cx="45719" cy="50118"/>
+          </a:xfrm>
+          <a:prstGeom prst="ellipse">
+            <a:avLst/>
+          </a:prstGeom>
+          <a:solidFill>
+            <a:schemeClr val="accent5">
+              <a:lumMod val="20000"/>
+              <a:lumOff val="80000"/>
+            </a:schemeClr>
+          </a:solidFill>
+          <a:ln w="3175">
+            <a:solidFill>
+              <a:schemeClr val="bg1">
+                <a:lumMod val="85000"/>
+              </a:schemeClr>
+            </a:solidFill>
+          </a:ln>
+        </p:spPr>
+        <p:style>
+          <a:lnRef idx="2">
+            <a:schemeClr val="accent1">
+              <a:shade val="50000"/>
+            </a:schemeClr>
+          </a:lnRef>
+          <a:fillRef idx="1">
+            <a:schemeClr val="accent1"/>
+          </a:fillRef>
+          <a:effectRef idx="0">
+            <a:schemeClr val="accent1"/>
+          </a:effectRef>
+          <a:fontRef idx="minor">
+            <a:schemeClr val="lt1"/>
+          </a:fontRef>
+        </p:style>
+        <p:txBody>
+          <a:bodyPr rtlCol="0" anchor="ctr"/>
+          <a:lstStyle/>
+          <a:p>
+            <a:pPr algn="ctr"/>
+            <a:endParaRPr lang="en-GB"/>
+          </a:p>
+        </p:txBody>
+      </p:sp>
+      <p:cxnSp>
+        <p:nvCxnSpPr>
+          <p:cNvPr id="64" name="Straight Arrow Connector 63"/>
+          <p:cNvCxnSpPr/>
+          <p:nvPr/>
+        </p:nvCxnSpPr>
+        <p:spPr>
+          <a:xfrm rot="16200000" flipV="1">
+            <a:off x="5001339" y="2951819"/>
+            <a:ext cx="0" cy="293331"/>
+          </a:xfrm>
+          <a:prstGeom prst="straightConnector1">
+            <a:avLst/>
+          </a:prstGeom>
+          <a:ln w="34925">
+            <a:solidFill>
+              <a:schemeClr val="bg1">
+                <a:lumMod val="85000"/>
+              </a:schemeClr>
+            </a:solidFill>
+            <a:tailEnd type="triangle"/>
+          </a:ln>
+        </p:spPr>
+        <p:style>
+          <a:lnRef idx="1">
+            <a:schemeClr val="accent1"/>
+          </a:lnRef>
+          <a:fillRef idx="0">
+            <a:schemeClr val="accent1"/>
+          </a:fillRef>
+          <a:effectRef idx="0">
+            <a:schemeClr val="accent1"/>
+          </a:effectRef>
+          <a:fontRef idx="minor">
+            <a:schemeClr val="tx1"/>
+          </a:fontRef>
+        </p:style>
+      </p:cxnSp>
+      <p:sp>
+        <p:nvSpPr>
+          <p:cNvPr id="65" name="TextBox 64"/>
+          <p:cNvSpPr txBox="1"/>
+          <p:nvPr/>
+        </p:nvSpPr>
+        <p:spPr>
+          <a:xfrm>
+            <a:off x="4821424" y="2908186"/>
+            <a:ext cx="834537" cy="369332"/>
+          </a:xfrm>
+          <a:prstGeom prst="rect">
+            <a:avLst/>
+          </a:prstGeom>
+          <a:noFill/>
+        </p:spPr>
+        <p:txBody>
+          <a:bodyPr wrap="square" rtlCol="0">
+            <a:spAutoFit/>
+          </a:bodyPr>
+          <a:lstStyle/>
+          <a:p>
+            <a:pPr algn="ctr"/>
+            <a:r>
+              <a:rPr lang="en-GB" i="1" dirty="0">
+                <a:solidFill>
+                  <a:schemeClr val="tx1">
+                    <a:lumMod val="50000"/>
+                    <a:lumOff val="50000"/>
+                  </a:schemeClr>
+                </a:solidFill>
+                <a:latin typeface="CMU Serif Roman" charset="0"/>
+                <a:ea typeface="CMU Serif Roman" charset="0"/>
+                <a:cs typeface="CMU Serif Roman" charset="0"/>
+              </a:rPr>
+              <a:t>V</a:t>
+            </a:r>
+            <a:endParaRPr lang="en-GB" i="1" dirty="0">
+              <a:solidFill>
+                <a:schemeClr val="tx1">
+                  <a:lumMod val="50000"/>
+                  <a:lumOff val="50000"/>
+                </a:schemeClr>
+              </a:solidFill>
+              <a:latin typeface="CMU Serif Roman" charset="0"/>
+              <a:ea typeface="CMU Serif Roman" charset="0"/>
+              <a:cs typeface="CMU Serif Roman" charset="0"/>
+            </a:endParaRPr>
+          </a:p>
+        </p:txBody>
+      </p:sp>
     </p:spTree>
     <p:extLst>
       <p:ext uri="{BB962C8B-B14F-4D97-AF65-F5344CB8AC3E}">
@@ -4975,11 +5697,6 @@
                 </a:rPr>
                 <a:t>Electric</a:t>
               </a:r>
-              <a:endParaRPr lang="en-GB" dirty="0" smtClean="0">
-                <a:latin typeface="CMU Serif Roman" charset="0"/>
-                <a:ea typeface="CMU Serif Roman" charset="0"/>
-                <a:cs typeface="CMU Serif Roman" charset="0"/>
-              </a:endParaRPr>
             </a:p>
             <a:p>
               <a:pPr algn="ctr"/>
@@ -5030,11 +5747,6 @@
                 </a:rPr>
                 <a:t>Adjustable</a:t>
               </a:r>
-              <a:endParaRPr lang="en-GB" dirty="0" smtClean="0">
-                <a:latin typeface="CMU Serif Roman" charset="0"/>
-                <a:ea typeface="CMU Serif Roman" charset="0"/>
-                <a:cs typeface="CMU Serif Roman" charset="0"/>
-              </a:endParaRPr>
             </a:p>
             <a:p>
               <a:pPr algn="ctr"/>
@@ -5340,11 +6052,6 @@
                 </a:rPr>
                 <a:t>Measuring</a:t>
               </a:r>
-              <a:endParaRPr lang="en-GB" dirty="0" smtClean="0">
-                <a:latin typeface="CMU Serif Roman" charset="0"/>
-                <a:ea typeface="CMU Serif Roman" charset="0"/>
-                <a:cs typeface="CMU Serif Roman" charset="0"/>
-              </a:endParaRPr>
             </a:p>
             <a:p>
               <a:pPr algn="ctr"/>
